--- a/Powerpoint/Final Project.pptx
+++ b/Powerpoint/Final Project.pptx
@@ -105,6 +105,11 @@
       </a:defRPr>
     </a:lvl9pPr>
   </p:defaultTextStyle>
+  <p:extLst>
+    <p:ext uri="{EFAFB233-063F-42B5-8137-9DF3F51BA10A}">
+      <p15:sldGuideLst xmlns:p15="http://schemas.microsoft.com/office/powerpoint/2012/main"/>
+    </p:ext>
+  </p:extLst>
 </p:presentation>
 </file>
 
@@ -239,7 +244,7 @@
           <a:p>
             <a:fld id="{BA612F42-9F13-4C3C-B82A-E610602E1EC4}" type="datetimeFigureOut">
               <a:rPr lang="en-US" smtClean="0"/>
-              <a:t>12/17/2013</a:t>
+              <a:t>12/18/2013</a:t>
             </a:fld>
             <a:endParaRPr lang="en-US"/>
           </a:p>
@@ -409,7 +414,7 @@
           <a:p>
             <a:fld id="{BA612F42-9F13-4C3C-B82A-E610602E1EC4}" type="datetimeFigureOut">
               <a:rPr lang="en-US" smtClean="0"/>
-              <a:t>12/17/2013</a:t>
+              <a:t>12/18/2013</a:t>
             </a:fld>
             <a:endParaRPr lang="en-US"/>
           </a:p>
@@ -589,7 +594,7 @@
           <a:p>
             <a:fld id="{BA612F42-9F13-4C3C-B82A-E610602E1EC4}" type="datetimeFigureOut">
               <a:rPr lang="en-US" smtClean="0"/>
-              <a:t>12/17/2013</a:t>
+              <a:t>12/18/2013</a:t>
             </a:fld>
             <a:endParaRPr lang="en-US"/>
           </a:p>
@@ -759,7 +764,7 @@
           <a:p>
             <a:fld id="{BA612F42-9F13-4C3C-B82A-E610602E1EC4}" type="datetimeFigureOut">
               <a:rPr lang="en-US" smtClean="0"/>
-              <a:t>12/17/2013</a:t>
+              <a:t>12/18/2013</a:t>
             </a:fld>
             <a:endParaRPr lang="en-US"/>
           </a:p>
@@ -1005,7 +1010,7 @@
           <a:p>
             <a:fld id="{BA612F42-9F13-4C3C-B82A-E610602E1EC4}" type="datetimeFigureOut">
               <a:rPr lang="en-US" smtClean="0"/>
-              <a:t>12/17/2013</a:t>
+              <a:t>12/18/2013</a:t>
             </a:fld>
             <a:endParaRPr lang="en-US"/>
           </a:p>
@@ -1237,7 +1242,7 @@
           <a:p>
             <a:fld id="{BA612F42-9F13-4C3C-B82A-E610602E1EC4}" type="datetimeFigureOut">
               <a:rPr lang="en-US" smtClean="0"/>
-              <a:t>12/17/2013</a:t>
+              <a:t>12/18/2013</a:t>
             </a:fld>
             <a:endParaRPr lang="en-US"/>
           </a:p>
@@ -1604,7 +1609,7 @@
           <a:p>
             <a:fld id="{BA612F42-9F13-4C3C-B82A-E610602E1EC4}" type="datetimeFigureOut">
               <a:rPr lang="en-US" smtClean="0"/>
-              <a:t>12/17/2013</a:t>
+              <a:t>12/18/2013</a:t>
             </a:fld>
             <a:endParaRPr lang="en-US"/>
           </a:p>
@@ -1722,7 +1727,7 @@
           <a:p>
             <a:fld id="{BA612F42-9F13-4C3C-B82A-E610602E1EC4}" type="datetimeFigureOut">
               <a:rPr lang="en-US" smtClean="0"/>
-              <a:t>12/17/2013</a:t>
+              <a:t>12/18/2013</a:t>
             </a:fld>
             <a:endParaRPr lang="en-US"/>
           </a:p>
@@ -1817,7 +1822,7 @@
           <a:p>
             <a:fld id="{BA612F42-9F13-4C3C-B82A-E610602E1EC4}" type="datetimeFigureOut">
               <a:rPr lang="en-US" smtClean="0"/>
-              <a:t>12/17/2013</a:t>
+              <a:t>12/18/2013</a:t>
             </a:fld>
             <a:endParaRPr lang="en-US"/>
           </a:p>
@@ -2094,7 +2099,7 @@
           <a:p>
             <a:fld id="{BA612F42-9F13-4C3C-B82A-E610602E1EC4}" type="datetimeFigureOut">
               <a:rPr lang="en-US" smtClean="0"/>
-              <a:t>12/17/2013</a:t>
+              <a:t>12/18/2013</a:t>
             </a:fld>
             <a:endParaRPr lang="en-US"/>
           </a:p>
@@ -2347,7 +2352,7 @@
           <a:p>
             <a:fld id="{BA612F42-9F13-4C3C-B82A-E610602E1EC4}" type="datetimeFigureOut">
               <a:rPr lang="en-US" smtClean="0"/>
-              <a:t>12/17/2013</a:t>
+              <a:t>12/18/2013</a:t>
             </a:fld>
             <a:endParaRPr lang="en-US"/>
           </a:p>
@@ -2560,7 +2565,7 @@
           <a:p>
             <a:fld id="{BA612F42-9F13-4C3C-B82A-E610602E1EC4}" type="datetimeFigureOut">
               <a:rPr lang="en-US" smtClean="0"/>
-              <a:t>12/17/2013</a:t>
+              <a:t>12/18/2013</a:t>
             </a:fld>
             <a:endParaRPr lang="en-US"/>
           </a:p>
@@ -3098,6 +3103,13 @@
           </a:p>
           <a:p>
             <a:r>
+              <a:rPr lang="en-US" smtClean="0"/>
+              <a:t>Maze Generator</a:t>
+            </a:r>
+            <a:endParaRPr lang="en-US" dirty="0" smtClean="0"/>
+          </a:p>
+          <a:p>
+            <a:r>
               <a:rPr lang="en-US" dirty="0" smtClean="0"/>
               <a:t>Camera</a:t>
             </a:r>
@@ -3111,13 +3123,8 @@
           <a:p>
             <a:r>
               <a:rPr lang="en-US" dirty="0" smtClean="0"/>
-              <a:t>Color </a:t>
-            </a:r>
-            <a:r>
-              <a:rPr lang="en-US" smtClean="0"/>
-              <a:t>and lighting</a:t>
-            </a:r>
-            <a:endParaRPr lang="en-US" dirty="0" smtClean="0"/>
+              <a:t>Color and lighting</a:t>
+            </a:r>
           </a:p>
         </p:txBody>
       </p:sp>

--- a/Powerpoint/Final Project.pptx
+++ b/Powerpoint/Final Project.pptx
@@ -2,11 +2,19 @@
 <file path=ppt/presentation.xml><?xml version="1.0" encoding="utf-8"?>
 <p:presentation xmlns:a="http://schemas.openxmlformats.org/drawingml/2006/main" xmlns:r="http://schemas.openxmlformats.org/officeDocument/2006/relationships" xmlns:p="http://schemas.openxmlformats.org/presentationml/2006/main" saveSubsetFonts="1">
   <p:sldMasterIdLst>
-    <p:sldMasterId id="2147483648" r:id="rId1"/>
+    <p:sldMasterId id="2147483696" r:id="rId1"/>
   </p:sldMasterIdLst>
   <p:sldIdLst>
     <p:sldId id="256" r:id="rId2"/>
     <p:sldId id="257" r:id="rId3"/>
+    <p:sldId id="258" r:id="rId4"/>
+    <p:sldId id="260" r:id="rId5"/>
+    <p:sldId id="259" r:id="rId6"/>
+    <p:sldId id="261" r:id="rId7"/>
+    <p:sldId id="263" r:id="rId8"/>
+    <p:sldId id="262" r:id="rId9"/>
+    <p:sldId id="264" r:id="rId10"/>
+    <p:sldId id="265" r:id="rId11"/>
   </p:sldIdLst>
   <p:sldSz cx="9144000" cy="6858000" type="screen4x3"/>
   <p:notesSz cx="6858000" cy="9144000"/>
@@ -107,7 +115,7 @@
   </p:defaultTextStyle>
   <p:extLst>
     <p:ext uri="{EFAFB233-063F-42B5-8137-9DF3F51BA10A}">
-      <p15:sldGuideLst xmlns:p15="http://schemas.microsoft.com/office/powerpoint/2012/main"/>
+      <p15:sldGuideLst xmlns:p15="http://schemas.microsoft.com/office/powerpoint/2012/main" xmlns=""/>
     </p:ext>
   </p:extLst>
 </p:presentation>
@@ -142,15 +150,22 @@
         </p:nvSpPr>
         <p:spPr>
           <a:xfrm>
-            <a:off x="1143000" y="1122363"/>
-            <a:ext cx="6858000" cy="2387600"/>
+            <a:off x="685800" y="1905000"/>
+            <a:ext cx="7543800" cy="2593975"/>
           </a:xfrm>
         </p:spPr>
         <p:txBody>
           <a:bodyPr anchor="b"/>
           <a:lstStyle>
-            <a:lvl1pPr algn="ctr">
-              <a:defRPr sz="4500"/>
+            <a:lvl1pPr>
+              <a:defRPr sz="6600">
+                <a:ln>
+                  <a:noFill/>
+                </a:ln>
+                <a:solidFill>
+                  <a:schemeClr val="tx2"/>
+                </a:solidFill>
+              </a:defRPr>
             </a:lvl1pPr>
           </a:lstStyle>
           <a:p>
@@ -158,7 +173,7 @@
               <a:rPr lang="en-US" smtClean="0"/>
               <a:t>Click to edit Master title style</a:t>
             </a:r>
-            <a:endParaRPr lang="en-US"/>
+            <a:endParaRPr lang="en-US" dirty="0"/>
           </a:p>
         </p:txBody>
       </p:sp>
@@ -174,48 +189,104 @@
         </p:nvSpPr>
         <p:spPr>
           <a:xfrm>
-            <a:off x="1143000" y="3602038"/>
-            <a:ext cx="6858000" cy="1655762"/>
+            <a:off x="685800" y="4572000"/>
+            <a:ext cx="6461760" cy="1066800"/>
           </a:xfrm>
         </p:spPr>
         <p:txBody>
-          <a:bodyPr/>
+          <a:bodyPr anchor="t">
+            <a:normAutofit/>
+          </a:bodyPr>
           <a:lstStyle>
-            <a:lvl1pPr marL="0" indent="0" algn="ctr">
-              <a:buNone/>
-              <a:defRPr sz="1800"/>
+            <a:lvl1pPr marL="0" indent="0" algn="l">
+              <a:buNone/>
+              <a:defRPr sz="2000">
+                <a:solidFill>
+                  <a:schemeClr val="tx1">
+                    <a:tint val="75000"/>
+                  </a:schemeClr>
+                </a:solidFill>
+              </a:defRPr>
             </a:lvl1pPr>
-            <a:lvl2pPr marL="342900" indent="0" algn="ctr">
-              <a:buNone/>
-              <a:defRPr sz="1500"/>
+            <a:lvl2pPr marL="457200" indent="0" algn="ctr">
+              <a:buNone/>
+              <a:defRPr>
+                <a:solidFill>
+                  <a:schemeClr val="tx1">
+                    <a:tint val="75000"/>
+                  </a:schemeClr>
+                </a:solidFill>
+              </a:defRPr>
             </a:lvl2pPr>
-            <a:lvl3pPr marL="685800" indent="0" algn="ctr">
-              <a:buNone/>
-              <a:defRPr sz="1350"/>
+            <a:lvl3pPr marL="914400" indent="0" algn="ctr">
+              <a:buNone/>
+              <a:defRPr>
+                <a:solidFill>
+                  <a:schemeClr val="tx1">
+                    <a:tint val="75000"/>
+                  </a:schemeClr>
+                </a:solidFill>
+              </a:defRPr>
             </a:lvl3pPr>
-            <a:lvl4pPr marL="1028700" indent="0" algn="ctr">
-              <a:buNone/>
-              <a:defRPr sz="1200"/>
+            <a:lvl4pPr marL="1371600" indent="0" algn="ctr">
+              <a:buNone/>
+              <a:defRPr>
+                <a:solidFill>
+                  <a:schemeClr val="tx1">
+                    <a:tint val="75000"/>
+                  </a:schemeClr>
+                </a:solidFill>
+              </a:defRPr>
             </a:lvl4pPr>
-            <a:lvl5pPr marL="1371600" indent="0" algn="ctr">
-              <a:buNone/>
-              <a:defRPr sz="1200"/>
+            <a:lvl5pPr marL="1828800" indent="0" algn="ctr">
+              <a:buNone/>
+              <a:defRPr>
+                <a:solidFill>
+                  <a:schemeClr val="tx1">
+                    <a:tint val="75000"/>
+                  </a:schemeClr>
+                </a:solidFill>
+              </a:defRPr>
             </a:lvl5pPr>
-            <a:lvl6pPr marL="1714500" indent="0" algn="ctr">
-              <a:buNone/>
-              <a:defRPr sz="1200"/>
+            <a:lvl6pPr marL="2286000" indent="0" algn="ctr">
+              <a:buNone/>
+              <a:defRPr>
+                <a:solidFill>
+                  <a:schemeClr val="tx1">
+                    <a:tint val="75000"/>
+                  </a:schemeClr>
+                </a:solidFill>
+              </a:defRPr>
             </a:lvl6pPr>
-            <a:lvl7pPr marL="2057400" indent="0" algn="ctr">
-              <a:buNone/>
-              <a:defRPr sz="1200"/>
+            <a:lvl7pPr marL="2743200" indent="0" algn="ctr">
+              <a:buNone/>
+              <a:defRPr>
+                <a:solidFill>
+                  <a:schemeClr val="tx1">
+                    <a:tint val="75000"/>
+                  </a:schemeClr>
+                </a:solidFill>
+              </a:defRPr>
             </a:lvl7pPr>
-            <a:lvl8pPr marL="2400300" indent="0" algn="ctr">
-              <a:buNone/>
-              <a:defRPr sz="1200"/>
+            <a:lvl8pPr marL="3200400" indent="0" algn="ctr">
+              <a:buNone/>
+              <a:defRPr>
+                <a:solidFill>
+                  <a:schemeClr val="tx1">
+                    <a:tint val="75000"/>
+                  </a:schemeClr>
+                </a:solidFill>
+              </a:defRPr>
             </a:lvl8pPr>
-            <a:lvl9pPr marL="2743200" indent="0" algn="ctr">
-              <a:buNone/>
-              <a:defRPr sz="1200"/>
+            <a:lvl9pPr marL="3657600" indent="0" algn="ctr">
+              <a:buNone/>
+              <a:defRPr>
+                <a:solidFill>
+                  <a:schemeClr val="tx1">
+                    <a:tint val="75000"/>
+                  </a:schemeClr>
+                </a:solidFill>
+              </a:defRPr>
             </a:lvl9pPr>
           </a:lstStyle>
           <a:p>
@@ -223,7 +294,7 @@
               <a:rPr lang="en-US" smtClean="0"/>
               <a:t>Click to edit Master subtitle style</a:t>
             </a:r>
-            <a:endParaRPr lang="en-US"/>
+            <a:endParaRPr lang="en-US" dirty="0"/>
           </a:p>
         </p:txBody>
       </p:sp>
@@ -244,7 +315,7 @@
           <a:p>
             <a:fld id="{BA612F42-9F13-4C3C-B82A-E610602E1EC4}" type="datetimeFigureOut">
               <a:rPr lang="en-US" smtClean="0"/>
-              <a:t>12/18/2013</a:t>
+              <a:t>12/19/2013</a:t>
             </a:fld>
             <a:endParaRPr lang="en-US"/>
           </a:p>
@@ -293,11 +364,6 @@
         </p:txBody>
       </p:sp>
     </p:spTree>
-    <p:extLst>
-      <p:ext uri="{BB962C8B-B14F-4D97-AF65-F5344CB8AC3E}">
-        <p14:creationId xmlns:p14="http://schemas.microsoft.com/office/powerpoint/2010/main" val="3570900539"/>
-      </p:ext>
-    </p:extLst>
   </p:cSld>
   <p:clrMapOvr>
     <a:masterClrMapping/>
@@ -414,7 +480,7 @@
           <a:p>
             <a:fld id="{BA612F42-9F13-4C3C-B82A-E610602E1EC4}" type="datetimeFigureOut">
               <a:rPr lang="en-US" smtClean="0"/>
-              <a:t>12/18/2013</a:t>
+              <a:t>12/19/2013</a:t>
             </a:fld>
             <a:endParaRPr lang="en-US"/>
           </a:p>
@@ -463,11 +529,6 @@
         </p:txBody>
       </p:sp>
     </p:spTree>
-    <p:extLst>
-      <p:ext uri="{BB962C8B-B14F-4D97-AF65-F5344CB8AC3E}">
-        <p14:creationId xmlns:p14="http://schemas.microsoft.com/office/powerpoint/2010/main" val="21939474"/>
-      </p:ext>
-    </p:extLst>
   </p:cSld>
   <p:clrMapOvr>
     <a:masterClrMapping/>
@@ -504,19 +565,19 @@
         </p:nvSpPr>
         <p:spPr>
           <a:xfrm>
-            <a:off x="6543675" y="365125"/>
-            <a:ext cx="1971675" cy="5811838"/>
+            <a:off x="6629400" y="274638"/>
+            <a:ext cx="1752600" cy="5851525"/>
           </a:xfrm>
         </p:spPr>
         <p:txBody>
-          <a:bodyPr vert="eaVert"/>
+          <a:bodyPr vert="eaVert" anchor="b" anchorCtr="0"/>
           <a:lstStyle/>
           <a:p>
             <a:r>
               <a:rPr lang="en-US" smtClean="0"/>
               <a:t>Click to edit Master title style</a:t>
             </a:r>
-            <a:endParaRPr lang="en-US"/>
+            <a:endParaRPr lang="en-US" dirty="0"/>
           </a:p>
         </p:txBody>
       </p:sp>
@@ -532,8 +593,8 @@
         </p:nvSpPr>
         <p:spPr>
           <a:xfrm>
-            <a:off x="628650" y="365125"/>
-            <a:ext cx="5800725" cy="5811838"/>
+            <a:off x="457200" y="274638"/>
+            <a:ext cx="6019800" cy="5851525"/>
           </a:xfrm>
         </p:spPr>
         <p:txBody>
@@ -594,7 +655,7 @@
           <a:p>
             <a:fld id="{BA612F42-9F13-4C3C-B82A-E610602E1EC4}" type="datetimeFigureOut">
               <a:rPr lang="en-US" smtClean="0"/>
-              <a:t>12/18/2013</a:t>
+              <a:t>12/19/2013</a:t>
             </a:fld>
             <a:endParaRPr lang="en-US"/>
           </a:p>
@@ -643,11 +704,6 @@
         </p:txBody>
       </p:sp>
     </p:spTree>
-    <p:extLst>
-      <p:ext uri="{BB962C8B-B14F-4D97-AF65-F5344CB8AC3E}">
-        <p14:creationId xmlns:p14="http://schemas.microsoft.com/office/powerpoint/2010/main" val="628365425"/>
-      </p:ext>
-    </p:extLst>
   </p:cSld>
   <p:clrMapOvr>
     <a:masterClrMapping/>
@@ -764,7 +820,7 @@
           <a:p>
             <a:fld id="{BA612F42-9F13-4C3C-B82A-E610602E1EC4}" type="datetimeFigureOut">
               <a:rPr lang="en-US" smtClean="0"/>
-              <a:t>12/18/2013</a:t>
+              <a:t>12/19/2013</a:t>
             </a:fld>
             <a:endParaRPr lang="en-US"/>
           </a:p>
@@ -813,11 +869,6 @@
         </p:txBody>
       </p:sp>
     </p:spTree>
-    <p:extLst>
-      <p:ext uri="{BB962C8B-B14F-4D97-AF65-F5344CB8AC3E}">
-        <p14:creationId xmlns:p14="http://schemas.microsoft.com/office/powerpoint/2010/main" val="4288646313"/>
-      </p:ext>
-    </p:extLst>
   </p:cSld>
   <p:clrMapOvr>
     <a:masterClrMapping/>
@@ -854,46 +905,56 @@
         </p:nvSpPr>
         <p:spPr>
           <a:xfrm>
-            <a:off x="623888" y="1709739"/>
-            <a:ext cx="7886700" cy="2852737"/>
+            <a:off x="722313" y="5486400"/>
+            <a:ext cx="7659687" cy="1168400"/>
           </a:xfrm>
         </p:spPr>
         <p:txBody>
+          <a:bodyPr anchor="t"/>
+          <a:lstStyle>
+            <a:lvl1pPr algn="l">
+              <a:defRPr sz="3600" b="0" cap="all"/>
+            </a:lvl1pPr>
+          </a:lstStyle>
+          <a:p>
+            <a:r>
+              <a:rPr lang="en-US" smtClean="0"/>
+              <a:t>Click to edit Master title style</a:t>
+            </a:r>
+            <a:endParaRPr lang="en-US" dirty="0"/>
+          </a:p>
+        </p:txBody>
+      </p:sp>
+      <p:sp>
+        <p:nvSpPr>
+          <p:cNvPr id="3" name="Text Placeholder 2"/>
+          <p:cNvSpPr>
+            <a:spLocks noGrp="1"/>
+          </p:cNvSpPr>
+          <p:nvPr>
+            <p:ph type="body" idx="1"/>
+          </p:nvPr>
+        </p:nvSpPr>
+        <p:spPr>
+          <a:xfrm>
+            <a:off x="722313" y="3852863"/>
+            <a:ext cx="6135687" cy="1633538"/>
+          </a:xfrm>
+        </p:spPr>
+        <p:txBody>
           <a:bodyPr anchor="b"/>
           <a:lstStyle>
-            <a:lvl1pPr>
-              <a:defRPr sz="4500"/>
+            <a:lvl1pPr marL="0" indent="0">
+              <a:buNone/>
+              <a:defRPr sz="2000">
+                <a:solidFill>
+                  <a:schemeClr val="tx1">
+                    <a:tint val="75000"/>
+                  </a:schemeClr>
+                </a:solidFill>
+              </a:defRPr>
             </a:lvl1pPr>
-          </a:lstStyle>
-          <a:p>
-            <a:r>
-              <a:rPr lang="en-US" smtClean="0"/>
-              <a:t>Click to edit Master title style</a:t>
-            </a:r>
-            <a:endParaRPr lang="en-US"/>
-          </a:p>
-        </p:txBody>
-      </p:sp>
-      <p:sp>
-        <p:nvSpPr>
-          <p:cNvPr id="3" name="Text Placeholder 2"/>
-          <p:cNvSpPr>
-            <a:spLocks noGrp="1"/>
-          </p:cNvSpPr>
-          <p:nvPr>
-            <p:ph type="body" idx="1"/>
-          </p:nvPr>
-        </p:nvSpPr>
-        <p:spPr>
-          <a:xfrm>
-            <a:off x="623888" y="4589464"/>
-            <a:ext cx="7886700" cy="1500187"/>
-          </a:xfrm>
-        </p:spPr>
-        <p:txBody>
-          <a:bodyPr/>
-          <a:lstStyle>
-            <a:lvl1pPr marL="0" indent="0">
+            <a:lvl2pPr marL="457200" indent="0">
               <a:buNone/>
               <a:defRPr sz="1800">
                 <a:solidFill>
@@ -902,20 +963,10 @@
                   </a:schemeClr>
                 </a:solidFill>
               </a:defRPr>
-            </a:lvl1pPr>
-            <a:lvl2pPr marL="342900" indent="0">
-              <a:buNone/>
-              <a:defRPr sz="1500">
-                <a:solidFill>
-                  <a:schemeClr val="tx1">
-                    <a:tint val="75000"/>
-                  </a:schemeClr>
-                </a:solidFill>
-              </a:defRPr>
             </a:lvl2pPr>
-            <a:lvl3pPr marL="685800" indent="0">
-              <a:buNone/>
-              <a:defRPr sz="1350">
+            <a:lvl3pPr marL="914400" indent="0">
+              <a:buNone/>
+              <a:defRPr sz="1600">
                 <a:solidFill>
                   <a:schemeClr val="tx1">
                     <a:tint val="75000"/>
@@ -923,9 +974,9 @@
                 </a:solidFill>
               </a:defRPr>
             </a:lvl3pPr>
-            <a:lvl4pPr marL="1028700" indent="0">
-              <a:buNone/>
-              <a:defRPr sz="1200">
+            <a:lvl4pPr marL="1371600" indent="0">
+              <a:buNone/>
+              <a:defRPr sz="1400">
                 <a:solidFill>
                   <a:schemeClr val="tx1">
                     <a:tint val="75000"/>
@@ -933,9 +984,9 @@
                 </a:solidFill>
               </a:defRPr>
             </a:lvl4pPr>
-            <a:lvl5pPr marL="1371600" indent="0">
-              <a:buNone/>
-              <a:defRPr sz="1200">
+            <a:lvl5pPr marL="1828800" indent="0">
+              <a:buNone/>
+              <a:defRPr sz="1400">
                 <a:solidFill>
                   <a:schemeClr val="tx1">
                     <a:tint val="75000"/>
@@ -943,9 +994,9 @@
                 </a:solidFill>
               </a:defRPr>
             </a:lvl5pPr>
-            <a:lvl6pPr marL="1714500" indent="0">
-              <a:buNone/>
-              <a:defRPr sz="1200">
+            <a:lvl6pPr marL="2286000" indent="0">
+              <a:buNone/>
+              <a:defRPr sz="1400">
                 <a:solidFill>
                   <a:schemeClr val="tx1">
                     <a:tint val="75000"/>
@@ -953,9 +1004,9 @@
                 </a:solidFill>
               </a:defRPr>
             </a:lvl6pPr>
-            <a:lvl7pPr marL="2057400" indent="0">
-              <a:buNone/>
-              <a:defRPr sz="1200">
+            <a:lvl7pPr marL="2743200" indent="0">
+              <a:buNone/>
+              <a:defRPr sz="1400">
                 <a:solidFill>
                   <a:schemeClr val="tx1">
                     <a:tint val="75000"/>
@@ -963,9 +1014,9 @@
                 </a:solidFill>
               </a:defRPr>
             </a:lvl7pPr>
-            <a:lvl8pPr marL="2400300" indent="0">
-              <a:buNone/>
-              <a:defRPr sz="1200">
+            <a:lvl8pPr marL="3200400" indent="0">
+              <a:buNone/>
+              <a:defRPr sz="1400">
                 <a:solidFill>
                   <a:schemeClr val="tx1">
                     <a:tint val="75000"/>
@@ -973,9 +1024,9 @@
                 </a:solidFill>
               </a:defRPr>
             </a:lvl8pPr>
-            <a:lvl9pPr marL="2743200" indent="0">
-              <a:buNone/>
-              <a:defRPr sz="1200">
+            <a:lvl9pPr marL="3657600" indent="0">
+              <a:buNone/>
+              <a:defRPr sz="1400">
                 <a:solidFill>
                   <a:schemeClr val="tx1">
                     <a:tint val="75000"/>
@@ -1010,7 +1061,7 @@
           <a:p>
             <a:fld id="{BA612F42-9F13-4C3C-B82A-E610602E1EC4}" type="datetimeFigureOut">
               <a:rPr lang="en-US" smtClean="0"/>
-              <a:t>12/18/2013</a:t>
+              <a:t>12/19/2013</a:t>
             </a:fld>
             <a:endParaRPr lang="en-US"/>
           </a:p>
@@ -1059,11 +1110,6 @@
         </p:txBody>
       </p:sp>
     </p:spTree>
-    <p:extLst>
-      <p:ext uri="{BB962C8B-B14F-4D97-AF65-F5344CB8AC3E}">
-        <p14:creationId xmlns:p14="http://schemas.microsoft.com/office/powerpoint/2010/main" val="4136149701"/>
-      </p:ext>
-    </p:extLst>
   </p:cSld>
   <p:clrMapOvr>
     <a:masterClrMapping/>
@@ -1123,13 +1169,41 @@
         </p:nvSpPr>
         <p:spPr>
           <a:xfrm>
-            <a:off x="628650" y="1825625"/>
-            <a:ext cx="3886200" cy="4351338"/>
+            <a:off x="457200" y="1536192"/>
+            <a:ext cx="3657600" cy="4590288"/>
           </a:xfrm>
         </p:spPr>
         <p:txBody>
           <a:bodyPr/>
-          <a:lstStyle/>
+          <a:lstStyle>
+            <a:lvl1pPr>
+              <a:defRPr sz="2800"/>
+            </a:lvl1pPr>
+            <a:lvl2pPr>
+              <a:defRPr sz="2400"/>
+            </a:lvl2pPr>
+            <a:lvl3pPr>
+              <a:defRPr sz="2000"/>
+            </a:lvl3pPr>
+            <a:lvl4pPr>
+              <a:defRPr sz="1800"/>
+            </a:lvl4pPr>
+            <a:lvl5pPr>
+              <a:defRPr sz="1800"/>
+            </a:lvl5pPr>
+            <a:lvl6pPr>
+              <a:defRPr sz="1800"/>
+            </a:lvl6pPr>
+            <a:lvl7pPr>
+              <a:defRPr sz="1800"/>
+            </a:lvl7pPr>
+            <a:lvl8pPr>
+              <a:defRPr sz="1800"/>
+            </a:lvl8pPr>
+            <a:lvl9pPr>
+              <a:defRPr sz="1800"/>
+            </a:lvl9pPr>
+          </a:lstStyle>
           <a:p>
             <a:pPr lvl="0"/>
             <a:r>
@@ -1164,7 +1238,7 @@
               <a:rPr lang="en-US" smtClean="0"/>
               <a:t>Fifth level</a:t>
             </a:r>
-            <a:endParaRPr lang="en-US"/>
+            <a:endParaRPr lang="en-US" dirty="0"/>
           </a:p>
         </p:txBody>
       </p:sp>
@@ -1180,13 +1254,41 @@
         </p:nvSpPr>
         <p:spPr>
           <a:xfrm>
-            <a:off x="4629150" y="1825625"/>
-            <a:ext cx="3886200" cy="4351338"/>
+            <a:off x="4419600" y="1536192"/>
+            <a:ext cx="3657600" cy="4590288"/>
           </a:xfrm>
         </p:spPr>
         <p:txBody>
           <a:bodyPr/>
-          <a:lstStyle/>
+          <a:lstStyle>
+            <a:lvl1pPr>
+              <a:defRPr sz="2800"/>
+            </a:lvl1pPr>
+            <a:lvl2pPr>
+              <a:defRPr sz="2400"/>
+            </a:lvl2pPr>
+            <a:lvl3pPr>
+              <a:defRPr sz="2000"/>
+            </a:lvl3pPr>
+            <a:lvl4pPr>
+              <a:defRPr sz="1800"/>
+            </a:lvl4pPr>
+            <a:lvl5pPr>
+              <a:defRPr sz="1800"/>
+            </a:lvl5pPr>
+            <a:lvl6pPr>
+              <a:defRPr sz="1800"/>
+            </a:lvl6pPr>
+            <a:lvl7pPr>
+              <a:defRPr sz="1800"/>
+            </a:lvl7pPr>
+            <a:lvl8pPr>
+              <a:defRPr sz="1800"/>
+            </a:lvl8pPr>
+            <a:lvl9pPr>
+              <a:defRPr sz="1800"/>
+            </a:lvl9pPr>
+          </a:lstStyle>
           <a:p>
             <a:pPr lvl="0"/>
             <a:r>
@@ -1221,7 +1323,7 @@
               <a:rPr lang="en-US" smtClean="0"/>
               <a:t>Fifth level</a:t>
             </a:r>
-            <a:endParaRPr lang="en-US"/>
+            <a:endParaRPr lang="en-US" dirty="0"/>
           </a:p>
         </p:txBody>
       </p:sp>
@@ -1242,7 +1344,7 @@
           <a:p>
             <a:fld id="{BA612F42-9F13-4C3C-B82A-E610602E1EC4}" type="datetimeFigureOut">
               <a:rPr lang="en-US" smtClean="0"/>
-              <a:t>12/18/2013</a:t>
+              <a:t>12/19/2013</a:t>
             </a:fld>
             <a:endParaRPr lang="en-US"/>
           </a:p>
@@ -1291,11 +1393,6 @@
         </p:txBody>
       </p:sp>
     </p:spTree>
-    <p:extLst>
-      <p:ext uri="{BB962C8B-B14F-4D97-AF65-F5344CB8AC3E}">
-        <p14:creationId xmlns:p14="http://schemas.microsoft.com/office/powerpoint/2010/main" val="2077839568"/>
-      </p:ext>
-    </p:extLst>
   </p:cSld>
   <p:clrMapOvr>
     <a:masterClrMapping/>
@@ -1330,78 +1427,139 @@
             <p:ph type="title"/>
           </p:nvPr>
         </p:nvSpPr>
+        <p:spPr/>
+        <p:txBody>
+          <a:bodyPr/>
+          <a:lstStyle>
+            <a:lvl1pPr>
+              <a:defRPr/>
+            </a:lvl1pPr>
+          </a:lstStyle>
+          <a:p>
+            <a:r>
+              <a:rPr lang="en-US" smtClean="0"/>
+              <a:t>Click to edit Master title style</a:t>
+            </a:r>
+            <a:endParaRPr lang="en-US"/>
+          </a:p>
+        </p:txBody>
+      </p:sp>
+      <p:sp>
+        <p:nvSpPr>
+          <p:cNvPr id="3" name="Text Placeholder 2"/>
+          <p:cNvSpPr>
+            <a:spLocks noGrp="1"/>
+          </p:cNvSpPr>
+          <p:nvPr>
+            <p:ph type="body" idx="1"/>
+          </p:nvPr>
+        </p:nvSpPr>
         <p:spPr>
           <a:xfrm>
-            <a:off x="629841" y="365126"/>
-            <a:ext cx="7886700" cy="1325563"/>
+            <a:off x="457200" y="1535113"/>
+            <a:ext cx="3657600" cy="639762"/>
           </a:xfrm>
         </p:spPr>
         <p:txBody>
-          <a:bodyPr/>
-          <a:lstStyle/>
-          <a:p>
-            <a:r>
-              <a:rPr lang="en-US" smtClean="0"/>
-              <a:t>Click to edit Master title style</a:t>
-            </a:r>
-            <a:endParaRPr lang="en-US"/>
-          </a:p>
-        </p:txBody>
-      </p:sp>
-      <p:sp>
-        <p:nvSpPr>
-          <p:cNvPr id="3" name="Text Placeholder 2"/>
-          <p:cNvSpPr>
-            <a:spLocks noGrp="1"/>
-          </p:cNvSpPr>
-          <p:nvPr>
-            <p:ph type="body" idx="1"/>
+          <a:bodyPr anchor="b">
+            <a:noAutofit/>
+          </a:bodyPr>
+          <a:lstStyle>
+            <a:lvl1pPr marL="0" indent="0" algn="ctr">
+              <a:buNone/>
+              <a:defRPr sz="2000" b="1">
+                <a:solidFill>
+                  <a:schemeClr val="tx2"/>
+                </a:solidFill>
+              </a:defRPr>
+            </a:lvl1pPr>
+            <a:lvl2pPr marL="457200" indent="0">
+              <a:buNone/>
+              <a:defRPr sz="2000" b="1"/>
+            </a:lvl2pPr>
+            <a:lvl3pPr marL="914400" indent="0">
+              <a:buNone/>
+              <a:defRPr sz="1800" b="1"/>
+            </a:lvl3pPr>
+            <a:lvl4pPr marL="1371600" indent="0">
+              <a:buNone/>
+              <a:defRPr sz="1600" b="1"/>
+            </a:lvl4pPr>
+            <a:lvl5pPr marL="1828800" indent="0">
+              <a:buNone/>
+              <a:defRPr sz="1600" b="1"/>
+            </a:lvl5pPr>
+            <a:lvl6pPr marL="2286000" indent="0">
+              <a:buNone/>
+              <a:defRPr sz="1600" b="1"/>
+            </a:lvl6pPr>
+            <a:lvl7pPr marL="2743200" indent="0">
+              <a:buNone/>
+              <a:defRPr sz="1600" b="1"/>
+            </a:lvl7pPr>
+            <a:lvl8pPr marL="3200400" indent="0">
+              <a:buNone/>
+              <a:defRPr sz="1600" b="1"/>
+            </a:lvl8pPr>
+            <a:lvl9pPr marL="3657600" indent="0">
+              <a:buNone/>
+              <a:defRPr sz="1600" b="1"/>
+            </a:lvl9pPr>
+          </a:lstStyle>
+          <a:p>
+            <a:pPr lvl="0"/>
+            <a:r>
+              <a:rPr lang="en-US" smtClean="0"/>
+              <a:t>Click to edit Master text styles</a:t>
+            </a:r>
+          </a:p>
+        </p:txBody>
+      </p:sp>
+      <p:sp>
+        <p:nvSpPr>
+          <p:cNvPr id="4" name="Content Placeholder 3"/>
+          <p:cNvSpPr>
+            <a:spLocks noGrp="1"/>
+          </p:cNvSpPr>
+          <p:nvPr>
+            <p:ph sz="half" idx="2"/>
           </p:nvPr>
         </p:nvSpPr>
         <p:spPr>
           <a:xfrm>
-            <a:off x="629842" y="1681163"/>
-            <a:ext cx="3868340" cy="823912"/>
+            <a:off x="457200" y="2174875"/>
+            <a:ext cx="3657600" cy="3951288"/>
           </a:xfrm>
         </p:spPr>
         <p:txBody>
-          <a:bodyPr anchor="b"/>
+          <a:bodyPr/>
           <a:lstStyle>
-            <a:lvl1pPr marL="0" indent="0">
-              <a:buNone/>
-              <a:defRPr sz="1800" b="1"/>
+            <a:lvl1pPr>
+              <a:defRPr sz="2400"/>
             </a:lvl1pPr>
-            <a:lvl2pPr marL="342900" indent="0">
-              <a:buNone/>
-              <a:defRPr sz="1500" b="1"/>
+            <a:lvl2pPr>
+              <a:defRPr sz="2000"/>
             </a:lvl2pPr>
-            <a:lvl3pPr marL="685800" indent="0">
-              <a:buNone/>
-              <a:defRPr sz="1350" b="1"/>
+            <a:lvl3pPr>
+              <a:defRPr sz="1800"/>
             </a:lvl3pPr>
-            <a:lvl4pPr marL="1028700" indent="0">
-              <a:buNone/>
-              <a:defRPr sz="1200" b="1"/>
+            <a:lvl4pPr>
+              <a:defRPr sz="1600"/>
             </a:lvl4pPr>
-            <a:lvl5pPr marL="1371600" indent="0">
-              <a:buNone/>
-              <a:defRPr sz="1200" b="1"/>
+            <a:lvl5pPr>
+              <a:defRPr sz="1600"/>
             </a:lvl5pPr>
-            <a:lvl6pPr marL="1714500" indent="0">
-              <a:buNone/>
-              <a:defRPr sz="1200" b="1"/>
+            <a:lvl6pPr>
+              <a:defRPr sz="1600"/>
             </a:lvl6pPr>
-            <a:lvl7pPr marL="2057400" indent="0">
-              <a:buNone/>
-              <a:defRPr sz="1200" b="1"/>
+            <a:lvl7pPr>
+              <a:defRPr sz="1600"/>
             </a:lvl7pPr>
-            <a:lvl8pPr marL="2400300" indent="0">
-              <a:buNone/>
-              <a:defRPr sz="1200" b="1"/>
+            <a:lvl8pPr>
+              <a:defRPr sz="1600"/>
             </a:lvl8pPr>
-            <a:lvl9pPr marL="2743200" indent="0">
-              <a:buNone/>
-              <a:defRPr sz="1200" b="1"/>
+            <a:lvl9pPr>
+              <a:defRPr sz="1600"/>
             </a:lvl9pPr>
           </a:lstStyle>
           <a:p>
@@ -1411,27 +1569,99 @@
               <a:t>Click to edit Master text styles</a:t>
             </a:r>
           </a:p>
-        </p:txBody>
-      </p:sp>
-      <p:sp>
-        <p:nvSpPr>
-          <p:cNvPr id="4" name="Content Placeholder 3"/>
-          <p:cNvSpPr>
-            <a:spLocks noGrp="1"/>
-          </p:cNvSpPr>
-          <p:nvPr>
-            <p:ph sz="half" idx="2"/>
+          <a:p>
+            <a:pPr lvl="1"/>
+            <a:r>
+              <a:rPr lang="en-US" smtClean="0"/>
+              <a:t>Second level</a:t>
+            </a:r>
+          </a:p>
+          <a:p>
+            <a:pPr lvl="2"/>
+            <a:r>
+              <a:rPr lang="en-US" smtClean="0"/>
+              <a:t>Third level</a:t>
+            </a:r>
+          </a:p>
+          <a:p>
+            <a:pPr lvl="3"/>
+            <a:r>
+              <a:rPr lang="en-US" smtClean="0"/>
+              <a:t>Fourth level</a:t>
+            </a:r>
+          </a:p>
+          <a:p>
+            <a:pPr lvl="4"/>
+            <a:r>
+              <a:rPr lang="en-US" smtClean="0"/>
+              <a:t>Fifth level</a:t>
+            </a:r>
+            <a:endParaRPr lang="en-US" dirty="0"/>
+          </a:p>
+        </p:txBody>
+      </p:sp>
+      <p:sp>
+        <p:nvSpPr>
+          <p:cNvPr id="5" name="Text Placeholder 4"/>
+          <p:cNvSpPr>
+            <a:spLocks noGrp="1"/>
+          </p:cNvSpPr>
+          <p:nvPr>
+            <p:ph type="body" sz="quarter" idx="3"/>
           </p:nvPr>
         </p:nvSpPr>
         <p:spPr>
           <a:xfrm>
-            <a:off x="629842" y="2505075"/>
-            <a:ext cx="3868340" cy="3684588"/>
+            <a:off x="4419600" y="1535113"/>
+            <a:ext cx="3657600" cy="639762"/>
           </a:xfrm>
         </p:spPr>
         <p:txBody>
-          <a:bodyPr/>
-          <a:lstStyle/>
+          <a:bodyPr anchor="b">
+            <a:noAutofit/>
+          </a:bodyPr>
+          <a:lstStyle>
+            <a:lvl1pPr marL="0" indent="0" algn="ctr">
+              <a:buNone/>
+              <a:defRPr sz="2000" b="1">
+                <a:solidFill>
+                  <a:schemeClr val="tx2"/>
+                </a:solidFill>
+              </a:defRPr>
+            </a:lvl1pPr>
+            <a:lvl2pPr marL="457200" indent="0">
+              <a:buNone/>
+              <a:defRPr sz="2000" b="1"/>
+            </a:lvl2pPr>
+            <a:lvl3pPr marL="914400" indent="0">
+              <a:buNone/>
+              <a:defRPr sz="1800" b="1"/>
+            </a:lvl3pPr>
+            <a:lvl4pPr marL="1371600" indent="0">
+              <a:buNone/>
+              <a:defRPr sz="1600" b="1"/>
+            </a:lvl4pPr>
+            <a:lvl5pPr marL="1828800" indent="0">
+              <a:buNone/>
+              <a:defRPr sz="1600" b="1"/>
+            </a:lvl5pPr>
+            <a:lvl6pPr marL="2286000" indent="0">
+              <a:buNone/>
+              <a:defRPr sz="1600" b="1"/>
+            </a:lvl6pPr>
+            <a:lvl7pPr marL="2743200" indent="0">
+              <a:buNone/>
+              <a:defRPr sz="1600" b="1"/>
+            </a:lvl7pPr>
+            <a:lvl8pPr marL="3200400" indent="0">
+              <a:buNone/>
+              <a:defRPr sz="1600" b="1"/>
+            </a:lvl8pPr>
+            <a:lvl9pPr marL="3657600" indent="0">
+              <a:buNone/>
+              <a:defRPr sz="1600" b="1"/>
+            </a:lvl9pPr>
+          </a:lstStyle>
           <a:p>
             <a:pPr lvl="0"/>
             <a:r>
@@ -1439,91 +1669,53 @@
               <a:t>Click to edit Master text styles</a:t>
             </a:r>
           </a:p>
-          <a:p>
-            <a:pPr lvl="1"/>
-            <a:r>
-              <a:rPr lang="en-US" smtClean="0"/>
-              <a:t>Second level</a:t>
-            </a:r>
-          </a:p>
-          <a:p>
-            <a:pPr lvl="2"/>
-            <a:r>
-              <a:rPr lang="en-US" smtClean="0"/>
-              <a:t>Third level</a:t>
-            </a:r>
-          </a:p>
-          <a:p>
-            <a:pPr lvl="3"/>
-            <a:r>
-              <a:rPr lang="en-US" smtClean="0"/>
-              <a:t>Fourth level</a:t>
-            </a:r>
-          </a:p>
-          <a:p>
-            <a:pPr lvl="4"/>
-            <a:r>
-              <a:rPr lang="en-US" smtClean="0"/>
-              <a:t>Fifth level</a:t>
-            </a:r>
-            <a:endParaRPr lang="en-US"/>
-          </a:p>
-        </p:txBody>
-      </p:sp>
-      <p:sp>
-        <p:nvSpPr>
-          <p:cNvPr id="5" name="Text Placeholder 4"/>
-          <p:cNvSpPr>
-            <a:spLocks noGrp="1"/>
-          </p:cNvSpPr>
-          <p:nvPr>
-            <p:ph type="body" sz="quarter" idx="3"/>
+        </p:txBody>
+      </p:sp>
+      <p:sp>
+        <p:nvSpPr>
+          <p:cNvPr id="6" name="Content Placeholder 5"/>
+          <p:cNvSpPr>
+            <a:spLocks noGrp="1"/>
+          </p:cNvSpPr>
+          <p:nvPr>
+            <p:ph sz="quarter" idx="4"/>
           </p:nvPr>
         </p:nvSpPr>
         <p:spPr>
           <a:xfrm>
-            <a:off x="4629150" y="1681163"/>
-            <a:ext cx="3887391" cy="823912"/>
+            <a:off x="4419600" y="2174875"/>
+            <a:ext cx="3657600" cy="3951288"/>
           </a:xfrm>
         </p:spPr>
         <p:txBody>
-          <a:bodyPr anchor="b"/>
+          <a:bodyPr/>
           <a:lstStyle>
-            <a:lvl1pPr marL="0" indent="0">
-              <a:buNone/>
-              <a:defRPr sz="1800" b="1"/>
+            <a:lvl1pPr>
+              <a:defRPr sz="2400"/>
             </a:lvl1pPr>
-            <a:lvl2pPr marL="342900" indent="0">
-              <a:buNone/>
-              <a:defRPr sz="1500" b="1"/>
+            <a:lvl2pPr>
+              <a:defRPr sz="2000"/>
             </a:lvl2pPr>
-            <a:lvl3pPr marL="685800" indent="0">
-              <a:buNone/>
-              <a:defRPr sz="1350" b="1"/>
+            <a:lvl3pPr>
+              <a:defRPr sz="1800"/>
             </a:lvl3pPr>
-            <a:lvl4pPr marL="1028700" indent="0">
-              <a:buNone/>
-              <a:defRPr sz="1200" b="1"/>
+            <a:lvl4pPr>
+              <a:defRPr sz="1600"/>
             </a:lvl4pPr>
-            <a:lvl5pPr marL="1371600" indent="0">
-              <a:buNone/>
-              <a:defRPr sz="1200" b="1"/>
+            <a:lvl5pPr>
+              <a:defRPr sz="1600"/>
             </a:lvl5pPr>
-            <a:lvl6pPr marL="1714500" indent="0">
-              <a:buNone/>
-              <a:defRPr sz="1200" b="1"/>
+            <a:lvl6pPr>
+              <a:defRPr sz="1600"/>
             </a:lvl6pPr>
-            <a:lvl7pPr marL="2057400" indent="0">
-              <a:buNone/>
-              <a:defRPr sz="1200" b="1"/>
+            <a:lvl7pPr>
+              <a:defRPr sz="1600"/>
             </a:lvl7pPr>
-            <a:lvl8pPr marL="2400300" indent="0">
-              <a:buNone/>
-              <a:defRPr sz="1200" b="1"/>
+            <a:lvl8pPr>
+              <a:defRPr sz="1600"/>
             </a:lvl8pPr>
-            <a:lvl9pPr marL="2743200" indent="0">
-              <a:buNone/>
-              <a:defRPr sz="1200" b="1"/>
+            <a:lvl9pPr>
+              <a:defRPr sz="1600"/>
             </a:lvl9pPr>
           </a:lstStyle>
           <a:p>
@@ -1533,34 +1725,6 @@
               <a:t>Click to edit Master text styles</a:t>
             </a:r>
           </a:p>
-        </p:txBody>
-      </p:sp>
-      <p:sp>
-        <p:nvSpPr>
-          <p:cNvPr id="6" name="Content Placeholder 5"/>
-          <p:cNvSpPr>
-            <a:spLocks noGrp="1"/>
-          </p:cNvSpPr>
-          <p:nvPr>
-            <p:ph sz="quarter" idx="4"/>
-          </p:nvPr>
-        </p:nvSpPr>
-        <p:spPr>
-          <a:xfrm>
-            <a:off x="4629150" y="2505075"/>
-            <a:ext cx="3887391" cy="3684588"/>
-          </a:xfrm>
-        </p:spPr>
-        <p:txBody>
-          <a:bodyPr/>
-          <a:lstStyle/>
-          <a:p>
-            <a:pPr lvl="0"/>
-            <a:r>
-              <a:rPr lang="en-US" smtClean="0"/>
-              <a:t>Click to edit Master text styles</a:t>
-            </a:r>
-          </a:p>
           <a:p>
             <a:pPr lvl="1"/>
             <a:r>
@@ -1609,7 +1773,7 @@
           <a:p>
             <a:fld id="{BA612F42-9F13-4C3C-B82A-E610602E1EC4}" type="datetimeFigureOut">
               <a:rPr lang="en-US" smtClean="0"/>
-              <a:t>12/18/2013</a:t>
+              <a:t>12/19/2013</a:t>
             </a:fld>
             <a:endParaRPr lang="en-US"/>
           </a:p>
@@ -1658,11 +1822,6 @@
         </p:txBody>
       </p:sp>
     </p:spTree>
-    <p:extLst>
-      <p:ext uri="{BB962C8B-B14F-4D97-AF65-F5344CB8AC3E}">
-        <p14:creationId xmlns:p14="http://schemas.microsoft.com/office/powerpoint/2010/main" val="2343922913"/>
-      </p:ext>
-    </p:extLst>
   </p:cSld>
   <p:clrMapOvr>
     <a:masterClrMapping/>
@@ -1727,7 +1886,7 @@
           <a:p>
             <a:fld id="{BA612F42-9F13-4C3C-B82A-E610602E1EC4}" type="datetimeFigureOut">
               <a:rPr lang="en-US" smtClean="0"/>
-              <a:t>12/18/2013</a:t>
+              <a:t>12/19/2013</a:t>
             </a:fld>
             <a:endParaRPr lang="en-US"/>
           </a:p>
@@ -1776,11 +1935,6 @@
         </p:txBody>
       </p:sp>
     </p:spTree>
-    <p:extLst>
-      <p:ext uri="{BB962C8B-B14F-4D97-AF65-F5344CB8AC3E}">
-        <p14:creationId xmlns:p14="http://schemas.microsoft.com/office/powerpoint/2010/main" val="2781772792"/>
-      </p:ext>
-    </p:extLst>
   </p:cSld>
   <p:clrMapOvr>
     <a:masterClrMapping/>
@@ -1822,7 +1976,7 @@
           <a:p>
             <a:fld id="{BA612F42-9F13-4C3C-B82A-E610602E1EC4}" type="datetimeFigureOut">
               <a:rPr lang="en-US" smtClean="0"/>
-              <a:t>12/18/2013</a:t>
+              <a:t>12/19/2013</a:t>
             </a:fld>
             <a:endParaRPr lang="en-US"/>
           </a:p>
@@ -1871,11 +2025,6 @@
         </p:txBody>
       </p:sp>
     </p:spTree>
-    <p:extLst>
-      <p:ext uri="{BB962C8B-B14F-4D97-AF65-F5344CB8AC3E}">
-        <p14:creationId xmlns:p14="http://schemas.microsoft.com/office/powerpoint/2010/main" val="3723231302"/>
-      </p:ext>
-    </p:extLst>
   </p:cSld>
   <p:clrMapOvr>
     <a:masterClrMapping/>
@@ -1912,15 +2061,15 @@
         </p:nvSpPr>
         <p:spPr>
           <a:xfrm>
-            <a:off x="629841" y="457200"/>
-            <a:ext cx="2949178" cy="1600200"/>
+            <a:off x="304801" y="5495544"/>
+            <a:ext cx="7772400" cy="594360"/>
           </a:xfrm>
         </p:spPr>
         <p:txBody>
           <a:bodyPr anchor="b"/>
           <a:lstStyle>
-            <a:lvl1pPr>
-              <a:defRPr sz="2400"/>
+            <a:lvl1pPr algn="ctr">
+              <a:defRPr sz="2200" b="1"/>
             </a:lvl1pPr>
           </a:lstStyle>
           <a:p>
@@ -1928,55 +2077,66 @@
               <a:rPr lang="en-US" smtClean="0"/>
               <a:t>Click to edit Master title style</a:t>
             </a:r>
-            <a:endParaRPr lang="en-US"/>
-          </a:p>
-        </p:txBody>
-      </p:sp>
-      <p:sp>
-        <p:nvSpPr>
-          <p:cNvPr id="3" name="Content Placeholder 2"/>
-          <p:cNvSpPr>
-            <a:spLocks noGrp="1"/>
-          </p:cNvSpPr>
-          <p:nvPr>
-            <p:ph idx="1"/>
+            <a:endParaRPr lang="en-US" dirty="0"/>
+          </a:p>
+        </p:txBody>
+      </p:sp>
+      <p:sp>
+        <p:nvSpPr>
+          <p:cNvPr id="4" name="Text Placeholder 3"/>
+          <p:cNvSpPr>
+            <a:spLocks noGrp="1"/>
+          </p:cNvSpPr>
+          <p:nvPr>
+            <p:ph type="body" sz="half" idx="2"/>
           </p:nvPr>
         </p:nvSpPr>
         <p:spPr>
           <a:xfrm>
-            <a:off x="3887391" y="987426"/>
-            <a:ext cx="4629150" cy="4873625"/>
+            <a:off x="304799" y="6096000"/>
+            <a:ext cx="7772401" cy="609600"/>
           </a:xfrm>
         </p:spPr>
         <p:txBody>
-          <a:bodyPr/>
+          <a:bodyPr>
+            <a:normAutofit/>
+          </a:bodyPr>
           <a:lstStyle>
-            <a:lvl1pPr>
-              <a:defRPr sz="2400"/>
+            <a:lvl1pPr marL="0" indent="0" algn="ctr">
+              <a:buNone/>
+              <a:defRPr sz="1600"/>
             </a:lvl1pPr>
-            <a:lvl2pPr>
-              <a:defRPr sz="2100"/>
+            <a:lvl2pPr marL="457200" indent="0">
+              <a:buNone/>
+              <a:defRPr sz="1200"/>
             </a:lvl2pPr>
-            <a:lvl3pPr>
-              <a:defRPr sz="1800"/>
+            <a:lvl3pPr marL="914400" indent="0">
+              <a:buNone/>
+              <a:defRPr sz="1000"/>
             </a:lvl3pPr>
-            <a:lvl4pPr>
-              <a:defRPr sz="1500"/>
+            <a:lvl4pPr marL="1371600" indent="0">
+              <a:buNone/>
+              <a:defRPr sz="900"/>
             </a:lvl4pPr>
-            <a:lvl5pPr>
-              <a:defRPr sz="1500"/>
+            <a:lvl5pPr marL="1828800" indent="0">
+              <a:buNone/>
+              <a:defRPr sz="900"/>
             </a:lvl5pPr>
-            <a:lvl6pPr>
-              <a:defRPr sz="1500"/>
+            <a:lvl6pPr marL="2286000" indent="0">
+              <a:buNone/>
+              <a:defRPr sz="900"/>
             </a:lvl6pPr>
-            <a:lvl7pPr>
-              <a:defRPr sz="1500"/>
+            <a:lvl7pPr marL="2743200" indent="0">
+              <a:buNone/>
+              <a:defRPr sz="900"/>
             </a:lvl7pPr>
-            <a:lvl8pPr>
-              <a:defRPr sz="1500"/>
+            <a:lvl8pPr marL="3200400" indent="0">
+              <a:buNone/>
+              <a:defRPr sz="900"/>
             </a:lvl8pPr>
-            <a:lvl9pPr>
-              <a:defRPr sz="1500"/>
+            <a:lvl9pPr marL="3657600" indent="0">
+              <a:buNone/>
+              <a:defRPr sz="900"/>
             </a:lvl9pPr>
           </a:lstStyle>
           <a:p>
@@ -1986,93 +2146,92 @@
               <a:t>Click to edit Master text styles</a:t>
             </a:r>
           </a:p>
-          <a:p>
-            <a:pPr lvl="1"/>
-            <a:r>
-              <a:rPr lang="en-US" smtClean="0"/>
-              <a:t>Second level</a:t>
-            </a:r>
-          </a:p>
-          <a:p>
-            <a:pPr lvl="2"/>
-            <a:r>
-              <a:rPr lang="en-US" smtClean="0"/>
-              <a:t>Third level</a:t>
-            </a:r>
-          </a:p>
-          <a:p>
-            <a:pPr lvl="3"/>
-            <a:r>
-              <a:rPr lang="en-US" smtClean="0"/>
-              <a:t>Fourth level</a:t>
-            </a:r>
-          </a:p>
-          <a:p>
-            <a:pPr lvl="4"/>
-            <a:r>
-              <a:rPr lang="en-US" smtClean="0"/>
-              <a:t>Fifth level</a:t>
-            </a:r>
-            <a:endParaRPr lang="en-US"/>
-          </a:p>
-        </p:txBody>
-      </p:sp>
-      <p:sp>
-        <p:nvSpPr>
-          <p:cNvPr id="4" name="Text Placeholder 3"/>
-          <p:cNvSpPr>
-            <a:spLocks noGrp="1"/>
-          </p:cNvSpPr>
-          <p:nvPr>
-            <p:ph type="body" sz="half" idx="2"/>
+        </p:txBody>
+      </p:sp>
+      <p:sp>
+        <p:nvSpPr>
+          <p:cNvPr id="5" name="Date Placeholder 4"/>
+          <p:cNvSpPr>
+            <a:spLocks noGrp="1"/>
+          </p:cNvSpPr>
+          <p:nvPr>
+            <p:ph type="dt" sz="half" idx="10"/>
+          </p:nvPr>
+        </p:nvSpPr>
+        <p:spPr/>
+        <p:txBody>
+          <a:bodyPr/>
+          <a:lstStyle/>
+          <a:p>
+            <a:fld id="{BA612F42-9F13-4C3C-B82A-E610602E1EC4}" type="datetimeFigureOut">
+              <a:rPr lang="en-US" smtClean="0"/>
+              <a:t>12/19/2013</a:t>
+            </a:fld>
+            <a:endParaRPr lang="en-US"/>
+          </a:p>
+        </p:txBody>
+      </p:sp>
+      <p:sp>
+        <p:nvSpPr>
+          <p:cNvPr id="6" name="Footer Placeholder 5"/>
+          <p:cNvSpPr>
+            <a:spLocks noGrp="1"/>
+          </p:cNvSpPr>
+          <p:nvPr>
+            <p:ph type="ftr" sz="quarter" idx="11"/>
+          </p:nvPr>
+        </p:nvSpPr>
+        <p:spPr/>
+        <p:txBody>
+          <a:bodyPr/>
+          <a:lstStyle/>
+          <a:p>
+            <a:endParaRPr lang="en-US"/>
+          </a:p>
+        </p:txBody>
+      </p:sp>
+      <p:sp>
+        <p:nvSpPr>
+          <p:cNvPr id="7" name="Slide Number Placeholder 6"/>
+          <p:cNvSpPr>
+            <a:spLocks noGrp="1"/>
+          </p:cNvSpPr>
+          <p:nvPr>
+            <p:ph type="sldNum" sz="quarter" idx="12"/>
+          </p:nvPr>
+        </p:nvSpPr>
+        <p:spPr/>
+        <p:txBody>
+          <a:bodyPr/>
+          <a:lstStyle/>
+          <a:p>
+            <a:fld id="{F8171F01-909D-4A07-99AB-C4C275849A4A}" type="slidenum">
+              <a:rPr lang="en-US" smtClean="0"/>
+              <a:t>‹#›</a:t>
+            </a:fld>
+            <a:endParaRPr lang="en-US"/>
+          </a:p>
+        </p:txBody>
+      </p:sp>
+      <p:sp>
+        <p:nvSpPr>
+          <p:cNvPr id="9" name="Content Placeholder 8"/>
+          <p:cNvSpPr>
+            <a:spLocks noGrp="1"/>
+          </p:cNvSpPr>
+          <p:nvPr>
+            <p:ph sz="quarter" idx="13"/>
           </p:nvPr>
         </p:nvSpPr>
         <p:spPr>
           <a:xfrm>
-            <a:off x="629841" y="2057400"/>
-            <a:ext cx="2949178" cy="3811588"/>
+            <a:off x="304800" y="381000"/>
+            <a:ext cx="7772400" cy="4942840"/>
           </a:xfrm>
         </p:spPr>
         <p:txBody>
           <a:bodyPr/>
-          <a:lstStyle>
-            <a:lvl1pPr marL="0" indent="0">
-              <a:buNone/>
-              <a:defRPr sz="1200"/>
-            </a:lvl1pPr>
-            <a:lvl2pPr marL="342900" indent="0">
-              <a:buNone/>
-              <a:defRPr sz="1050"/>
-            </a:lvl2pPr>
-            <a:lvl3pPr marL="685800" indent="0">
-              <a:buNone/>
-              <a:defRPr sz="900"/>
-            </a:lvl3pPr>
-            <a:lvl4pPr marL="1028700" indent="0">
-              <a:buNone/>
-              <a:defRPr sz="750"/>
-            </a:lvl4pPr>
-            <a:lvl5pPr marL="1371600" indent="0">
-              <a:buNone/>
-              <a:defRPr sz="750"/>
-            </a:lvl5pPr>
-            <a:lvl6pPr marL="1714500" indent="0">
-              <a:buNone/>
-              <a:defRPr sz="750"/>
-            </a:lvl6pPr>
-            <a:lvl7pPr marL="2057400" indent="0">
-              <a:buNone/>
-              <a:defRPr sz="750"/>
-            </a:lvl7pPr>
-            <a:lvl8pPr marL="2400300" indent="0">
-              <a:buNone/>
-              <a:defRPr sz="750"/>
-            </a:lvl8pPr>
-            <a:lvl9pPr marL="2743200" indent="0">
-              <a:buNone/>
-              <a:defRPr sz="750"/>
-            </a:lvl9pPr>
-          </a:lstStyle>
+          <a:lstStyle/>
           <a:p>
             <a:pPr lvl="0"/>
             <a:r>
@@ -2080,79 +2239,38 @@
               <a:t>Click to edit Master text styles</a:t>
             </a:r>
           </a:p>
-        </p:txBody>
-      </p:sp>
-      <p:sp>
-        <p:nvSpPr>
-          <p:cNvPr id="5" name="Date Placeholder 4"/>
-          <p:cNvSpPr>
-            <a:spLocks noGrp="1"/>
-          </p:cNvSpPr>
-          <p:nvPr>
-            <p:ph type="dt" sz="half" idx="10"/>
-          </p:nvPr>
-        </p:nvSpPr>
-        <p:spPr/>
-        <p:txBody>
-          <a:bodyPr/>
-          <a:lstStyle/>
-          <a:p>
-            <a:fld id="{BA612F42-9F13-4C3C-B82A-E610602E1EC4}" type="datetimeFigureOut">
-              <a:rPr lang="en-US" smtClean="0"/>
-              <a:t>12/18/2013</a:t>
-            </a:fld>
-            <a:endParaRPr lang="en-US"/>
-          </a:p>
-        </p:txBody>
-      </p:sp>
-      <p:sp>
-        <p:nvSpPr>
-          <p:cNvPr id="6" name="Footer Placeholder 5"/>
-          <p:cNvSpPr>
-            <a:spLocks noGrp="1"/>
-          </p:cNvSpPr>
-          <p:nvPr>
-            <p:ph type="ftr" sz="quarter" idx="11"/>
-          </p:nvPr>
-        </p:nvSpPr>
-        <p:spPr/>
-        <p:txBody>
-          <a:bodyPr/>
-          <a:lstStyle/>
-          <a:p>
-            <a:endParaRPr lang="en-US"/>
-          </a:p>
-        </p:txBody>
-      </p:sp>
-      <p:sp>
-        <p:nvSpPr>
-          <p:cNvPr id="7" name="Slide Number Placeholder 6"/>
-          <p:cNvSpPr>
-            <a:spLocks noGrp="1"/>
-          </p:cNvSpPr>
-          <p:nvPr>
-            <p:ph type="sldNum" sz="quarter" idx="12"/>
-          </p:nvPr>
-        </p:nvSpPr>
-        <p:spPr/>
-        <p:txBody>
-          <a:bodyPr/>
-          <a:lstStyle/>
-          <a:p>
-            <a:fld id="{F8171F01-909D-4A07-99AB-C4C275849A4A}" type="slidenum">
-              <a:rPr lang="en-US" smtClean="0"/>
-              <a:t>‹#›</a:t>
-            </a:fld>
+          <a:p>
+            <a:pPr lvl="1"/>
+            <a:r>
+              <a:rPr lang="en-US" smtClean="0"/>
+              <a:t>Second level</a:t>
+            </a:r>
+          </a:p>
+          <a:p>
+            <a:pPr lvl="2"/>
+            <a:r>
+              <a:rPr lang="en-US" smtClean="0"/>
+              <a:t>Third level</a:t>
+            </a:r>
+          </a:p>
+          <a:p>
+            <a:pPr lvl="3"/>
+            <a:r>
+              <a:rPr lang="en-US" smtClean="0"/>
+              <a:t>Fourth level</a:t>
+            </a:r>
+          </a:p>
+          <a:p>
+            <a:pPr lvl="4"/>
+            <a:r>
+              <a:rPr lang="en-US" smtClean="0"/>
+              <a:t>Fifth level</a:t>
+            </a:r>
             <a:endParaRPr lang="en-US"/>
           </a:p>
         </p:txBody>
       </p:sp>
     </p:spTree>
-    <p:extLst>
-      <p:ext uri="{BB962C8B-B14F-4D97-AF65-F5344CB8AC3E}">
-        <p14:creationId xmlns:p14="http://schemas.microsoft.com/office/powerpoint/2010/main" val="1401668058"/>
-      </p:ext>
-    </p:extLst>
   </p:cSld>
   <p:clrMapOvr>
     <a:masterClrMapping/>
@@ -2189,15 +2307,22 @@
         </p:nvSpPr>
         <p:spPr>
           <a:xfrm>
-            <a:off x="629841" y="457200"/>
-            <a:ext cx="2949178" cy="1600200"/>
+            <a:off x="301752" y="5495278"/>
+            <a:ext cx="7772400" cy="594626"/>
           </a:xfrm>
         </p:spPr>
         <p:txBody>
           <a:bodyPr anchor="b"/>
           <a:lstStyle>
-            <a:lvl1pPr>
-              <a:defRPr sz="2400"/>
+            <a:lvl1pPr algn="ctr">
+              <a:defRPr sz="2200" b="1">
+                <a:ln>
+                  <a:noFill/>
+                </a:ln>
+                <a:solidFill>
+                  <a:schemeClr val="tx2"/>
+                </a:solidFill>
+              </a:defRPr>
             </a:lvl1pPr>
           </a:lstStyle>
           <a:p>
@@ -2205,7 +2330,7 @@
               <a:rPr lang="en-US" smtClean="0"/>
               <a:t>Click to edit Master title style</a:t>
             </a:r>
-            <a:endParaRPr lang="en-US"/>
+            <a:endParaRPr lang="en-US" dirty="0"/>
           </a:p>
         </p:txBody>
       </p:sp>
@@ -2221,8 +2346,8 @@
         </p:nvSpPr>
         <p:spPr>
           <a:xfrm>
-            <a:off x="3887391" y="987426"/>
-            <a:ext cx="4629150" cy="4873625"/>
+            <a:off x="0" y="0"/>
+            <a:ext cx="8458200" cy="5486400"/>
           </a:xfrm>
         </p:spPr>
         <p:txBody>
@@ -2230,43 +2355,47 @@
           <a:lstStyle>
             <a:lvl1pPr marL="0" indent="0">
               <a:buNone/>
+              <a:defRPr sz="3200"/>
+            </a:lvl1pPr>
+            <a:lvl2pPr marL="457200" indent="0">
+              <a:buNone/>
+              <a:defRPr sz="2800"/>
+            </a:lvl2pPr>
+            <a:lvl3pPr marL="914400" indent="0">
+              <a:buNone/>
               <a:defRPr sz="2400"/>
-            </a:lvl1pPr>
-            <a:lvl2pPr marL="342900" indent="0">
-              <a:buNone/>
-              <a:defRPr sz="2100"/>
-            </a:lvl2pPr>
-            <a:lvl3pPr marL="685800" indent="0">
-              <a:buNone/>
-              <a:defRPr sz="1800"/>
             </a:lvl3pPr>
-            <a:lvl4pPr marL="1028700" indent="0">
-              <a:buNone/>
-              <a:defRPr sz="1500"/>
+            <a:lvl4pPr marL="1371600" indent="0">
+              <a:buNone/>
+              <a:defRPr sz="2000"/>
             </a:lvl4pPr>
-            <a:lvl5pPr marL="1371600" indent="0">
-              <a:buNone/>
-              <a:defRPr sz="1500"/>
+            <a:lvl5pPr marL="1828800" indent="0">
+              <a:buNone/>
+              <a:defRPr sz="2000"/>
             </a:lvl5pPr>
-            <a:lvl6pPr marL="1714500" indent="0">
-              <a:buNone/>
-              <a:defRPr sz="1500"/>
+            <a:lvl6pPr marL="2286000" indent="0">
+              <a:buNone/>
+              <a:defRPr sz="2000"/>
             </a:lvl6pPr>
-            <a:lvl7pPr marL="2057400" indent="0">
-              <a:buNone/>
-              <a:defRPr sz="1500"/>
+            <a:lvl7pPr marL="2743200" indent="0">
+              <a:buNone/>
+              <a:defRPr sz="2000"/>
             </a:lvl7pPr>
-            <a:lvl8pPr marL="2400300" indent="0">
-              <a:buNone/>
-              <a:defRPr sz="1500"/>
+            <a:lvl8pPr marL="3200400" indent="0">
+              <a:buNone/>
+              <a:defRPr sz="2000"/>
             </a:lvl8pPr>
-            <a:lvl9pPr marL="2743200" indent="0">
-              <a:buNone/>
-              <a:defRPr sz="1500"/>
+            <a:lvl9pPr marL="3657600" indent="0">
+              <a:buNone/>
+              <a:defRPr sz="2000"/>
             </a:lvl9pPr>
           </a:lstStyle>
           <a:p>
-            <a:endParaRPr lang="en-US"/>
+            <a:r>
+              <a:rPr lang="en-US" smtClean="0"/>
+              <a:t>Click icon to add picture</a:t>
+            </a:r>
+            <a:endParaRPr lang="en-US" dirty="0"/>
           </a:p>
         </p:txBody>
       </p:sp>
@@ -2282,48 +2411,50 @@
         </p:nvSpPr>
         <p:spPr>
           <a:xfrm>
-            <a:off x="629841" y="2057400"/>
-            <a:ext cx="2949178" cy="3811588"/>
+            <a:off x="301752" y="6096000"/>
+            <a:ext cx="7772400" cy="612648"/>
           </a:xfrm>
         </p:spPr>
         <p:txBody>
-          <a:bodyPr/>
+          <a:bodyPr>
+            <a:normAutofit/>
+          </a:bodyPr>
           <a:lstStyle>
-            <a:lvl1pPr marL="0" indent="0">
+            <a:lvl1pPr marL="0" indent="0" algn="ctr">
+              <a:buNone/>
+              <a:defRPr sz="1600"/>
+            </a:lvl1pPr>
+            <a:lvl2pPr marL="457200" indent="0">
               <a:buNone/>
               <a:defRPr sz="1200"/>
-            </a:lvl1pPr>
-            <a:lvl2pPr marL="342900" indent="0">
-              <a:buNone/>
-              <a:defRPr sz="1050"/>
             </a:lvl2pPr>
-            <a:lvl3pPr marL="685800" indent="0">
+            <a:lvl3pPr marL="914400" indent="0">
+              <a:buNone/>
+              <a:defRPr sz="1000"/>
+            </a:lvl3pPr>
+            <a:lvl4pPr marL="1371600" indent="0">
               <a:buNone/>
               <a:defRPr sz="900"/>
-            </a:lvl3pPr>
-            <a:lvl4pPr marL="1028700" indent="0">
-              <a:buNone/>
-              <a:defRPr sz="750"/>
             </a:lvl4pPr>
-            <a:lvl5pPr marL="1371600" indent="0">
-              <a:buNone/>
-              <a:defRPr sz="750"/>
+            <a:lvl5pPr marL="1828800" indent="0">
+              <a:buNone/>
+              <a:defRPr sz="900"/>
             </a:lvl5pPr>
-            <a:lvl6pPr marL="1714500" indent="0">
-              <a:buNone/>
-              <a:defRPr sz="750"/>
+            <a:lvl6pPr marL="2286000" indent="0">
+              <a:buNone/>
+              <a:defRPr sz="900"/>
             </a:lvl6pPr>
-            <a:lvl7pPr marL="2057400" indent="0">
-              <a:buNone/>
-              <a:defRPr sz="750"/>
+            <a:lvl7pPr marL="2743200" indent="0">
+              <a:buNone/>
+              <a:defRPr sz="900"/>
             </a:lvl7pPr>
-            <a:lvl8pPr marL="2400300" indent="0">
-              <a:buNone/>
-              <a:defRPr sz="750"/>
+            <a:lvl8pPr marL="3200400" indent="0">
+              <a:buNone/>
+              <a:defRPr sz="900"/>
             </a:lvl8pPr>
-            <a:lvl9pPr marL="2743200" indent="0">
-              <a:buNone/>
-              <a:defRPr sz="750"/>
+            <a:lvl9pPr marL="3657600" indent="0">
+              <a:buNone/>
+              <a:defRPr sz="900"/>
             </a:lvl9pPr>
           </a:lstStyle>
           <a:p>
@@ -2337,7 +2468,7 @@
       </p:sp>
       <p:sp>
         <p:nvSpPr>
-          <p:cNvPr id="5" name="Date Placeholder 4"/>
+          <p:cNvPr id="8" name="Date Placeholder 7"/>
           <p:cNvSpPr>
             <a:spLocks noGrp="1"/>
           </p:cNvSpPr>
@@ -2352,7 +2483,7 @@
           <a:p>
             <a:fld id="{BA612F42-9F13-4C3C-B82A-E610602E1EC4}" type="datetimeFigureOut">
               <a:rPr lang="en-US" smtClean="0"/>
-              <a:t>12/18/2013</a:t>
+              <a:t>12/19/2013</a:t>
             </a:fld>
             <a:endParaRPr lang="en-US"/>
           </a:p>
@@ -2360,31 +2491,12 @@
       </p:sp>
       <p:sp>
         <p:nvSpPr>
-          <p:cNvPr id="6" name="Footer Placeholder 5"/>
-          <p:cNvSpPr>
-            <a:spLocks noGrp="1"/>
-          </p:cNvSpPr>
-          <p:nvPr>
-            <p:ph type="ftr" sz="quarter" idx="11"/>
-          </p:nvPr>
-        </p:nvSpPr>
-        <p:spPr/>
-        <p:txBody>
-          <a:bodyPr/>
-          <a:lstStyle/>
-          <a:p>
-            <a:endParaRPr lang="en-US"/>
-          </a:p>
-        </p:txBody>
-      </p:sp>
-      <p:sp>
-        <p:nvSpPr>
-          <p:cNvPr id="7" name="Slide Number Placeholder 6"/>
-          <p:cNvSpPr>
-            <a:spLocks noGrp="1"/>
-          </p:cNvSpPr>
-          <p:nvPr>
-            <p:ph type="sldNum" sz="quarter" idx="12"/>
+          <p:cNvPr id="9" name="Slide Number Placeholder 8"/>
+          <p:cNvSpPr>
+            <a:spLocks noGrp="1"/>
+          </p:cNvSpPr>
+          <p:nvPr>
+            <p:ph type="sldNum" sz="quarter" idx="11"/>
           </p:nvPr>
         </p:nvSpPr>
         <p:spPr/>
@@ -2400,12 +2512,26 @@
           </a:p>
         </p:txBody>
       </p:sp>
+      <p:sp>
+        <p:nvSpPr>
+          <p:cNvPr id="10" name="Footer Placeholder 9"/>
+          <p:cNvSpPr>
+            <a:spLocks noGrp="1"/>
+          </p:cNvSpPr>
+          <p:nvPr>
+            <p:ph type="ftr" sz="quarter" idx="12"/>
+          </p:nvPr>
+        </p:nvSpPr>
+        <p:spPr/>
+        <p:txBody>
+          <a:bodyPr/>
+          <a:lstStyle/>
+          <a:p>
+            <a:endParaRPr lang="en-US"/>
+          </a:p>
+        </p:txBody>
+      </p:sp>
     </p:spTree>
-    <p:extLst>
-      <p:ext uri="{BB962C8B-B14F-4D97-AF65-F5344CB8AC3E}">
-        <p14:creationId xmlns:p14="http://schemas.microsoft.com/office/powerpoint/2010/main" val="1917107526"/>
-      </p:ext>
-    </p:extLst>
   </p:cSld>
   <p:clrMapOvr>
     <a:masterClrMapping/>
@@ -2417,7 +2543,7 @@
 <p:sldMaster xmlns:a="http://schemas.openxmlformats.org/drawingml/2006/main" xmlns:r="http://schemas.openxmlformats.org/officeDocument/2006/relationships" xmlns:p="http://schemas.openxmlformats.org/presentationml/2006/main">
   <p:cSld>
     <p:bg>
-      <p:bgRef idx="1001">
+      <p:bgRef idx="1002">
         <a:schemeClr val="bg1"/>
       </p:bgRef>
     </p:bg>
@@ -2447,8 +2573,8 @@
         </p:nvSpPr>
         <p:spPr>
           <a:xfrm>
-            <a:off x="628650" y="365126"/>
-            <a:ext cx="7886700" cy="1325563"/>
+            <a:off x="457200" y="274638"/>
+            <a:ext cx="7620000" cy="1143000"/>
           </a:xfrm>
           <a:prstGeom prst="rect">
             <a:avLst/>
@@ -2456,7 +2582,7 @@
         </p:spPr>
         <p:txBody>
           <a:bodyPr vert="horz" lIns="91440" tIns="45720" rIns="91440" bIns="45720" rtlCol="0" anchor="ctr">
-            <a:normAutofit/>
+            <a:noAutofit/>
           </a:bodyPr>
           <a:lstStyle/>
           <a:p>
@@ -2464,7 +2590,7 @@
               <a:rPr lang="en-US" smtClean="0"/>
               <a:t>Click to edit Master title style</a:t>
             </a:r>
-            <a:endParaRPr lang="en-US"/>
+            <a:endParaRPr lang="en-US" dirty="0"/>
           </a:p>
         </p:txBody>
       </p:sp>
@@ -2480,8 +2606,8 @@
         </p:nvSpPr>
         <p:spPr>
           <a:xfrm>
-            <a:off x="628650" y="1825625"/>
-            <a:ext cx="7886700" cy="4351338"/>
+            <a:off x="457200" y="1600200"/>
+            <a:ext cx="7620000" cy="4800600"/>
           </a:xfrm>
           <a:prstGeom prst="rect">
             <a:avLst/>
@@ -2526,24 +2652,162 @@
               <a:rPr lang="en-US" smtClean="0"/>
               <a:t>Fifth level</a:t>
             </a:r>
-            <a:endParaRPr lang="en-US"/>
-          </a:p>
-        </p:txBody>
-      </p:sp>
-      <p:sp>
-        <p:nvSpPr>
-          <p:cNvPr id="4" name="Date Placeholder 3"/>
-          <p:cNvSpPr>
-            <a:spLocks noGrp="1"/>
-          </p:cNvSpPr>
-          <p:nvPr>
-            <p:ph type="dt" sz="half" idx="2"/>
-          </p:nvPr>
+            <a:endParaRPr lang="en-US" dirty="0"/>
+          </a:p>
+        </p:txBody>
+      </p:sp>
+      <p:sp>
+        <p:nvSpPr>
+          <p:cNvPr id="7" name="Rectangle 6"/>
+          <p:cNvSpPr/>
+          <p:nvPr/>
         </p:nvSpPr>
         <p:spPr>
           <a:xfrm>
-            <a:off x="628650" y="6356351"/>
-            <a:ext cx="2057400" cy="365125"/>
+            <a:off x="8458200" y="0"/>
+            <a:ext cx="685800" cy="6858000"/>
+          </a:xfrm>
+          <a:prstGeom prst="rect">
+            <a:avLst/>
+          </a:prstGeom>
+          <a:solidFill>
+            <a:schemeClr val="tx2"/>
+          </a:solidFill>
+          <a:ln>
+            <a:noFill/>
+          </a:ln>
+        </p:spPr>
+        <p:style>
+          <a:lnRef idx="2">
+            <a:schemeClr val="accent1">
+              <a:shade val="50000"/>
+            </a:schemeClr>
+          </a:lnRef>
+          <a:fillRef idx="1">
+            <a:schemeClr val="accent1"/>
+          </a:fillRef>
+          <a:effectRef idx="0">
+            <a:schemeClr val="accent1"/>
+          </a:effectRef>
+          <a:fontRef idx="minor">
+            <a:schemeClr val="lt1"/>
+          </a:fontRef>
+        </p:style>
+        <p:txBody>
+          <a:bodyPr rtlCol="0" anchor="ctr"/>
+          <a:lstStyle/>
+          <a:p>
+            <a:pPr algn="ctr"/>
+            <a:endParaRPr lang="en-US"/>
+          </a:p>
+        </p:txBody>
+      </p:sp>
+      <p:sp>
+        <p:nvSpPr>
+          <p:cNvPr id="8" name="Rectangle 7"/>
+          <p:cNvSpPr/>
+          <p:nvPr/>
+        </p:nvSpPr>
+        <p:spPr>
+          <a:xfrm>
+            <a:off x="8458200" y="5486400"/>
+            <a:ext cx="685800" cy="685800"/>
+          </a:xfrm>
+          <a:prstGeom prst="rect">
+            <a:avLst/>
+          </a:prstGeom>
+          <a:solidFill>
+            <a:schemeClr val="accent1"/>
+          </a:solidFill>
+          <a:ln>
+            <a:noFill/>
+          </a:ln>
+        </p:spPr>
+        <p:style>
+          <a:lnRef idx="2">
+            <a:schemeClr val="accent1">
+              <a:shade val="50000"/>
+            </a:schemeClr>
+          </a:lnRef>
+          <a:fillRef idx="1">
+            <a:schemeClr val="accent1"/>
+          </a:fillRef>
+          <a:effectRef idx="0">
+            <a:schemeClr val="accent1"/>
+          </a:effectRef>
+          <a:fontRef idx="minor">
+            <a:schemeClr val="lt1"/>
+          </a:fontRef>
+        </p:style>
+        <p:txBody>
+          <a:bodyPr rtlCol="0" anchor="ctr"/>
+          <a:lstStyle/>
+          <a:p>
+            <a:pPr algn="ctr"/>
+            <a:endParaRPr lang="en-US"/>
+          </a:p>
+        </p:txBody>
+      </p:sp>
+      <p:sp>
+        <p:nvSpPr>
+          <p:cNvPr id="6" name="Slide Number Placeholder 5"/>
+          <p:cNvSpPr>
+            <a:spLocks noGrp="1"/>
+          </p:cNvSpPr>
+          <p:nvPr>
+            <p:ph type="sldNum" sz="quarter" idx="4"/>
+          </p:nvPr>
+        </p:nvSpPr>
+        <p:spPr>
+          <a:xfrm>
+            <a:off x="8531788" y="5648960"/>
+            <a:ext cx="548640" cy="396240"/>
+          </a:xfrm>
+          <a:prstGeom prst="bracketPair">
+            <a:avLst>
+              <a:gd name="adj" fmla="val 17949"/>
+            </a:avLst>
+          </a:prstGeom>
+          <a:ln w="19050">
+            <a:solidFill>
+              <a:srgbClr val="FFFFFF"/>
+            </a:solidFill>
+          </a:ln>
+        </p:spPr>
+        <p:txBody>
+          <a:bodyPr vert="horz" lIns="0" tIns="0" rIns="0" bIns="0" rtlCol="0" anchor="ctr"/>
+          <a:lstStyle>
+            <a:lvl1pPr algn="ctr">
+              <a:defRPr sz="1800">
+                <a:solidFill>
+                  <a:srgbClr val="FFFFFF"/>
+                </a:solidFill>
+              </a:defRPr>
+            </a:lvl1pPr>
+          </a:lstStyle>
+          <a:p>
+            <a:fld id="{F8171F01-909D-4A07-99AB-C4C275849A4A}" type="slidenum">
+              <a:rPr lang="en-US" smtClean="0"/>
+              <a:t>‹#›</a:t>
+            </a:fld>
+            <a:endParaRPr lang="en-US"/>
+          </a:p>
+        </p:txBody>
+      </p:sp>
+      <p:sp>
+        <p:nvSpPr>
+          <p:cNvPr id="5" name="Footer Placeholder 4"/>
+          <p:cNvSpPr>
+            <a:spLocks noGrp="1"/>
+          </p:cNvSpPr>
+          <p:nvPr>
+            <p:ph type="ftr" sz="quarter" idx="3"/>
+          </p:nvPr>
+        </p:nvSpPr>
+        <p:spPr>
+          <a:xfrm rot="16200000">
+            <a:off x="7586910" y="4048760"/>
+            <a:ext cx="2367281" cy="365760"/>
           </a:xfrm>
           <a:prstGeom prst="rect">
             <a:avLst/>
@@ -2552,39 +2816,33 @@
         <p:txBody>
           <a:bodyPr vert="horz" lIns="91440" tIns="45720" rIns="91440" bIns="45720" rtlCol="0" anchor="ctr"/>
           <a:lstStyle>
-            <a:lvl1pPr algn="l">
-              <a:defRPr sz="900">
+            <a:lvl1pPr algn="r">
+              <a:defRPr sz="1200">
                 <a:solidFill>
-                  <a:schemeClr val="tx1">
-                    <a:tint val="75000"/>
-                  </a:schemeClr>
+                  <a:schemeClr val="bg2"/>
                 </a:solidFill>
               </a:defRPr>
             </a:lvl1pPr>
           </a:lstStyle>
           <a:p>
-            <a:fld id="{BA612F42-9F13-4C3C-B82A-E610602E1EC4}" type="datetimeFigureOut">
-              <a:rPr lang="en-US" smtClean="0"/>
-              <a:t>12/18/2013</a:t>
-            </a:fld>
-            <a:endParaRPr lang="en-US"/>
-          </a:p>
-        </p:txBody>
-      </p:sp>
-      <p:sp>
-        <p:nvSpPr>
-          <p:cNvPr id="5" name="Footer Placeholder 4"/>
-          <p:cNvSpPr>
-            <a:spLocks noGrp="1"/>
-          </p:cNvSpPr>
-          <p:nvPr>
-            <p:ph type="ftr" sz="quarter" idx="3"/>
+            <a:endParaRPr lang="en-US"/>
+          </a:p>
+        </p:txBody>
+      </p:sp>
+      <p:sp>
+        <p:nvSpPr>
+          <p:cNvPr id="4" name="Date Placeholder 3"/>
+          <p:cNvSpPr>
+            <a:spLocks noGrp="1"/>
+          </p:cNvSpPr>
+          <p:nvPr>
+            <p:ph type="dt" sz="half" idx="2"/>
           </p:nvPr>
         </p:nvSpPr>
         <p:spPr>
-          <a:xfrm>
-            <a:off x="3028950" y="6356351"/>
-            <a:ext cx="3086100" cy="365125"/>
+          <a:xfrm rot="16200000">
+            <a:off x="7551351" y="1645920"/>
+            <a:ext cx="2438399" cy="365760"/>
           </a:xfrm>
           <a:prstGeom prst="rect">
             <a:avLst/>
@@ -2593,97 +2851,54 @@
         <p:txBody>
           <a:bodyPr vert="horz" lIns="91440" tIns="45720" rIns="91440" bIns="45720" rtlCol="0" anchor="ctr"/>
           <a:lstStyle>
-            <a:lvl1pPr algn="ctr">
-              <a:defRPr sz="900">
+            <a:lvl1pPr algn="l">
+              <a:defRPr sz="1200">
                 <a:solidFill>
-                  <a:schemeClr val="tx1">
-                    <a:tint val="75000"/>
-                  </a:schemeClr>
+                  <a:schemeClr val="bg2"/>
                 </a:solidFill>
               </a:defRPr>
             </a:lvl1pPr>
           </a:lstStyle>
           <a:p>
-            <a:endParaRPr lang="en-US"/>
-          </a:p>
-        </p:txBody>
-      </p:sp>
-      <p:sp>
-        <p:nvSpPr>
-          <p:cNvPr id="6" name="Slide Number Placeholder 5"/>
-          <p:cNvSpPr>
-            <a:spLocks noGrp="1"/>
-          </p:cNvSpPr>
-          <p:nvPr>
-            <p:ph type="sldNum" sz="quarter" idx="4"/>
-          </p:nvPr>
-        </p:nvSpPr>
-        <p:spPr>
-          <a:xfrm>
-            <a:off x="6457950" y="6356351"/>
-            <a:ext cx="2057400" cy="365125"/>
-          </a:xfrm>
-          <a:prstGeom prst="rect">
-            <a:avLst/>
-          </a:prstGeom>
-        </p:spPr>
-        <p:txBody>
-          <a:bodyPr vert="horz" lIns="91440" tIns="45720" rIns="91440" bIns="45720" rtlCol="0" anchor="ctr"/>
-          <a:lstStyle>
-            <a:lvl1pPr algn="r">
-              <a:defRPr sz="900">
-                <a:solidFill>
-                  <a:schemeClr val="tx1">
-                    <a:tint val="75000"/>
-                  </a:schemeClr>
-                </a:solidFill>
-              </a:defRPr>
-            </a:lvl1pPr>
-          </a:lstStyle>
-          <a:p>
-            <a:fld id="{F8171F01-909D-4A07-99AB-C4C275849A4A}" type="slidenum">
-              <a:rPr lang="en-US" smtClean="0"/>
-              <a:t>‹#›</a:t>
+            <a:fld id="{BA612F42-9F13-4C3C-B82A-E610602E1EC4}" type="datetimeFigureOut">
+              <a:rPr lang="en-US" smtClean="0"/>
+              <a:t>12/19/2013</a:t>
             </a:fld>
             <a:endParaRPr lang="en-US"/>
           </a:p>
         </p:txBody>
       </p:sp>
     </p:spTree>
-    <p:extLst>
-      <p:ext uri="{BB962C8B-B14F-4D97-AF65-F5344CB8AC3E}">
-        <p14:creationId xmlns:p14="http://schemas.microsoft.com/office/powerpoint/2010/main" val="1198323626"/>
-      </p:ext>
-    </p:extLst>
   </p:cSld>
   <p:clrMap bg1="lt1" tx1="dk1" bg2="lt2" tx2="dk2" accent1="accent1" accent2="accent2" accent3="accent3" accent4="accent4" accent5="accent5" accent6="accent6" hlink="hlink" folHlink="folHlink"/>
   <p:sldLayoutIdLst>
-    <p:sldLayoutId id="2147483649" r:id="rId1"/>
-    <p:sldLayoutId id="2147483650" r:id="rId2"/>
-    <p:sldLayoutId id="2147483651" r:id="rId3"/>
-    <p:sldLayoutId id="2147483652" r:id="rId4"/>
-    <p:sldLayoutId id="2147483653" r:id="rId5"/>
-    <p:sldLayoutId id="2147483654" r:id="rId6"/>
-    <p:sldLayoutId id="2147483655" r:id="rId7"/>
-    <p:sldLayoutId id="2147483656" r:id="rId8"/>
-    <p:sldLayoutId id="2147483657" r:id="rId9"/>
-    <p:sldLayoutId id="2147483658" r:id="rId10"/>
-    <p:sldLayoutId id="2147483659" r:id="rId11"/>
+    <p:sldLayoutId id="2147483697" r:id="rId1"/>
+    <p:sldLayoutId id="2147483698" r:id="rId2"/>
+    <p:sldLayoutId id="2147483699" r:id="rId3"/>
+    <p:sldLayoutId id="2147483700" r:id="rId4"/>
+    <p:sldLayoutId id="2147483701" r:id="rId5"/>
+    <p:sldLayoutId id="2147483702" r:id="rId6"/>
+    <p:sldLayoutId id="2147483703" r:id="rId7"/>
+    <p:sldLayoutId id="2147483704" r:id="rId8"/>
+    <p:sldLayoutId id="2147483705" r:id="rId9"/>
+    <p:sldLayoutId id="2147483706" r:id="rId10"/>
+    <p:sldLayoutId id="2147483707" r:id="rId11"/>
   </p:sldLayoutIdLst>
   <p:txStyles>
     <p:titleStyle>
-      <a:lvl1pPr algn="l" defTabSz="685800" rtl="0" eaLnBrk="1" latinLnBrk="0" hangingPunct="1">
-        <a:lnSpc>
-          <a:spcPct val="90000"/>
-        </a:lnSpc>
+      <a:lvl1pPr algn="l" defTabSz="914400" rtl="0" eaLnBrk="1" latinLnBrk="0" hangingPunct="1">
         <a:spcBef>
           <a:spcPct val="0"/>
         </a:spcBef>
         <a:buNone/>
-        <a:defRPr sz="3300" kern="1200">
+        <a:defRPr sz="4600" kern="1200" cap="none" spc="-100" baseline="0">
+          <a:ln>
+            <a:noFill/>
+          </a:ln>
           <a:solidFill>
-            <a:schemeClr val="tx1"/>
+            <a:schemeClr val="tx2"/>
           </a:solidFill>
+          <a:effectLst/>
           <a:latin typeface="+mj-lt"/>
           <a:ea typeface="+mj-ea"/>
           <a:cs typeface="+mj-cs"/>
@@ -2691,16 +2906,16 @@
       </a:lvl1pPr>
     </p:titleStyle>
     <p:bodyStyle>
-      <a:lvl1pPr marL="171450" indent="-171450" algn="l" defTabSz="685800" rtl="0" eaLnBrk="1" latinLnBrk="0" hangingPunct="1">
-        <a:lnSpc>
-          <a:spcPct val="90000"/>
-        </a:lnSpc>
+      <a:lvl1pPr marL="342900" indent="-228600" algn="l" defTabSz="914400" rtl="0" eaLnBrk="1" latinLnBrk="0" hangingPunct="1">
         <a:spcBef>
-          <a:spcPts val="750"/>
+          <a:spcPct val="20000"/>
         </a:spcBef>
-        <a:buFont typeface="Arial" panose="020B0604020202020204" pitchFamily="34" charset="0"/>
+        <a:buClr>
+          <a:schemeClr val="accent1"/>
+        </a:buClr>
+        <a:buFont typeface="Arial" pitchFamily="34" charset="0"/>
         <a:buChar char="•"/>
-        <a:defRPr sz="2100" kern="1200">
+        <a:defRPr sz="2200" kern="1200">
           <a:solidFill>
             <a:schemeClr val="tx1"/>
           </a:solidFill>
@@ -2709,14 +2924,32 @@
           <a:cs typeface="+mn-cs"/>
         </a:defRPr>
       </a:lvl1pPr>
-      <a:lvl2pPr marL="514350" indent="-171450" algn="l" defTabSz="685800" rtl="0" eaLnBrk="1" latinLnBrk="0" hangingPunct="1">
-        <a:lnSpc>
-          <a:spcPct val="90000"/>
-        </a:lnSpc>
+      <a:lvl2pPr marL="640080" indent="-228600" algn="l" defTabSz="914400" rtl="0" eaLnBrk="1" latinLnBrk="0" hangingPunct="1">
         <a:spcBef>
-          <a:spcPts val="375"/>
+          <a:spcPct val="20000"/>
         </a:spcBef>
-        <a:buFont typeface="Arial" panose="020B0604020202020204" pitchFamily="34" charset="0"/>
+        <a:buClr>
+          <a:schemeClr val="accent2"/>
+        </a:buClr>
+        <a:buFont typeface="Arial" pitchFamily="34" charset="0"/>
+        <a:buChar char="•"/>
+        <a:defRPr sz="2000" kern="1200">
+          <a:solidFill>
+            <a:schemeClr val="tx1"/>
+          </a:solidFill>
+          <a:latin typeface="+mn-lt"/>
+          <a:ea typeface="+mn-ea"/>
+          <a:cs typeface="+mn-cs"/>
+        </a:defRPr>
+      </a:lvl2pPr>
+      <a:lvl3pPr marL="1005840" indent="-228600" algn="l" defTabSz="914400" rtl="0" eaLnBrk="1" latinLnBrk="0" hangingPunct="1">
+        <a:spcBef>
+          <a:spcPct val="20000"/>
+        </a:spcBef>
+        <a:buClr>
+          <a:schemeClr val="accent3"/>
+        </a:buClr>
+        <a:buFont typeface="Arial" pitchFamily="34" charset="0"/>
         <a:buChar char="•"/>
         <a:defRPr sz="1800" kern="1200">
           <a:solidFill>
@@ -2726,35 +2959,17 @@
           <a:ea typeface="+mn-ea"/>
           <a:cs typeface="+mn-cs"/>
         </a:defRPr>
-      </a:lvl2pPr>
-      <a:lvl3pPr marL="857250" indent="-171450" algn="l" defTabSz="685800" rtl="0" eaLnBrk="1" latinLnBrk="0" hangingPunct="1">
-        <a:lnSpc>
-          <a:spcPct val="90000"/>
-        </a:lnSpc>
+      </a:lvl3pPr>
+      <a:lvl4pPr marL="1280160" indent="-228600" algn="l" defTabSz="914400" rtl="0" eaLnBrk="1" latinLnBrk="0" hangingPunct="1">
         <a:spcBef>
-          <a:spcPts val="375"/>
+          <a:spcPct val="20000"/>
         </a:spcBef>
-        <a:buFont typeface="Arial" panose="020B0604020202020204" pitchFamily="34" charset="0"/>
+        <a:buClr>
+          <a:schemeClr val="accent4"/>
+        </a:buClr>
+        <a:buFont typeface="Arial" pitchFamily="34" charset="0"/>
         <a:buChar char="•"/>
-        <a:defRPr sz="1500" kern="1200">
-          <a:solidFill>
-            <a:schemeClr val="tx1"/>
-          </a:solidFill>
-          <a:latin typeface="+mn-lt"/>
-          <a:ea typeface="+mn-ea"/>
-          <a:cs typeface="+mn-cs"/>
-        </a:defRPr>
-      </a:lvl3pPr>
-      <a:lvl4pPr marL="1200150" indent="-171450" algn="l" defTabSz="685800" rtl="0" eaLnBrk="1" latinLnBrk="0" hangingPunct="1">
-        <a:lnSpc>
-          <a:spcPct val="90000"/>
-        </a:lnSpc>
-        <a:spcBef>
-          <a:spcPts val="375"/>
-        </a:spcBef>
-        <a:buFont typeface="Arial" panose="020B0604020202020204" pitchFamily="34" charset="0"/>
-        <a:buChar char="•"/>
-        <a:defRPr sz="1350" kern="1200">
+        <a:defRPr sz="1600" kern="1200">
           <a:solidFill>
             <a:schemeClr val="tx1"/>
           </a:solidFill>
@@ -2763,16 +2978,16 @@
           <a:cs typeface="+mn-cs"/>
         </a:defRPr>
       </a:lvl4pPr>
-      <a:lvl5pPr marL="1543050" indent="-171450" algn="l" defTabSz="685800" rtl="0" eaLnBrk="1" latinLnBrk="0" hangingPunct="1">
-        <a:lnSpc>
-          <a:spcPct val="90000"/>
-        </a:lnSpc>
+      <a:lvl5pPr marL="1554480" indent="-228600" algn="l" defTabSz="914400" rtl="0" eaLnBrk="1" latinLnBrk="0" hangingPunct="1">
         <a:spcBef>
-          <a:spcPts val="375"/>
+          <a:spcPct val="20000"/>
         </a:spcBef>
-        <a:buFont typeface="Arial" panose="020B0604020202020204" pitchFamily="34" charset="0"/>
+        <a:buClr>
+          <a:schemeClr val="accent5"/>
+        </a:buClr>
+        <a:buFont typeface="Arial" pitchFamily="34" charset="0"/>
         <a:buChar char="•"/>
-        <a:defRPr sz="1350" kern="1200">
+        <a:defRPr sz="1400" kern="1200" baseline="0">
           <a:solidFill>
             <a:schemeClr val="tx1"/>
           </a:solidFill>
@@ -2781,16 +2996,16 @@
           <a:cs typeface="+mn-cs"/>
         </a:defRPr>
       </a:lvl5pPr>
-      <a:lvl6pPr marL="1885950" indent="-171450" algn="l" defTabSz="685800" rtl="0" eaLnBrk="1" latinLnBrk="0" hangingPunct="1">
-        <a:lnSpc>
-          <a:spcPct val="90000"/>
-        </a:lnSpc>
+      <a:lvl6pPr marL="1737360" indent="-182880" algn="l" defTabSz="914400" rtl="0" eaLnBrk="1" latinLnBrk="0" hangingPunct="1">
         <a:spcBef>
-          <a:spcPts val="375"/>
+          <a:spcPct val="20000"/>
         </a:spcBef>
-        <a:buFont typeface="Arial" panose="020B0604020202020204" pitchFamily="34" charset="0"/>
+        <a:buClr>
+          <a:schemeClr val="accent1"/>
+        </a:buClr>
+        <a:buFont typeface="Arial" pitchFamily="34" charset="0"/>
         <a:buChar char="•"/>
-        <a:defRPr sz="1350" kern="1200">
+        <a:defRPr sz="1400" kern="1200" baseline="0">
           <a:solidFill>
             <a:schemeClr val="tx1"/>
           </a:solidFill>
@@ -2799,16 +3014,16 @@
           <a:cs typeface="+mn-cs"/>
         </a:defRPr>
       </a:lvl6pPr>
-      <a:lvl7pPr marL="2228850" indent="-171450" algn="l" defTabSz="685800" rtl="0" eaLnBrk="1" latinLnBrk="0" hangingPunct="1">
-        <a:lnSpc>
-          <a:spcPct val="90000"/>
-        </a:lnSpc>
+      <a:lvl7pPr marL="1920240" indent="-182880" algn="l" defTabSz="914400" rtl="0" eaLnBrk="1" latinLnBrk="0" hangingPunct="1">
         <a:spcBef>
-          <a:spcPts val="375"/>
+          <a:spcPct val="20000"/>
         </a:spcBef>
-        <a:buFont typeface="Arial" panose="020B0604020202020204" pitchFamily="34" charset="0"/>
+        <a:buClr>
+          <a:schemeClr val="accent2"/>
+        </a:buClr>
+        <a:buFont typeface="Arial" pitchFamily="34" charset="0"/>
         <a:buChar char="•"/>
-        <a:defRPr sz="1350" kern="1200">
+        <a:defRPr sz="1400" kern="1200">
           <a:solidFill>
             <a:schemeClr val="tx1"/>
           </a:solidFill>
@@ -2817,16 +3032,16 @@
           <a:cs typeface="+mn-cs"/>
         </a:defRPr>
       </a:lvl7pPr>
-      <a:lvl8pPr marL="2571750" indent="-171450" algn="l" defTabSz="685800" rtl="0" eaLnBrk="1" latinLnBrk="0" hangingPunct="1">
-        <a:lnSpc>
-          <a:spcPct val="90000"/>
-        </a:lnSpc>
+      <a:lvl8pPr marL="2103120" indent="-182880" algn="l" defTabSz="914400" rtl="0" eaLnBrk="1" latinLnBrk="0" hangingPunct="1">
         <a:spcBef>
-          <a:spcPts val="375"/>
+          <a:spcPct val="20000"/>
         </a:spcBef>
-        <a:buFont typeface="Arial" panose="020B0604020202020204" pitchFamily="34" charset="0"/>
+        <a:buClr>
+          <a:schemeClr val="accent3"/>
+        </a:buClr>
+        <a:buFont typeface="Arial" pitchFamily="34" charset="0"/>
         <a:buChar char="•"/>
-        <a:defRPr sz="1350" kern="1200">
+        <a:defRPr sz="1400" kern="1200">
           <a:solidFill>
             <a:schemeClr val="tx1"/>
           </a:solidFill>
@@ -2835,16 +3050,16 @@
           <a:cs typeface="+mn-cs"/>
         </a:defRPr>
       </a:lvl8pPr>
-      <a:lvl9pPr marL="2914650" indent="-171450" algn="l" defTabSz="685800" rtl="0" eaLnBrk="1" latinLnBrk="0" hangingPunct="1">
-        <a:lnSpc>
-          <a:spcPct val="90000"/>
-        </a:lnSpc>
+      <a:lvl9pPr marL="2286000" indent="-182880" algn="l" defTabSz="914400" rtl="0" eaLnBrk="1" latinLnBrk="0" hangingPunct="1">
         <a:spcBef>
-          <a:spcPts val="375"/>
+          <a:spcPct val="20000"/>
         </a:spcBef>
-        <a:buFont typeface="Arial" panose="020B0604020202020204" pitchFamily="34" charset="0"/>
+        <a:buClr>
+          <a:schemeClr val="accent4"/>
+        </a:buClr>
+        <a:buFont typeface="Arial" pitchFamily="34" charset="0"/>
         <a:buChar char="•"/>
-        <a:defRPr sz="1350" kern="1200">
+        <a:defRPr sz="1400" kern="1200">
           <a:solidFill>
             <a:schemeClr val="tx1"/>
           </a:solidFill>
@@ -2858,8 +3073,8 @@
       <a:defPPr>
         <a:defRPr lang="en-US"/>
       </a:defPPr>
-      <a:lvl1pPr marL="0" algn="l" defTabSz="685800" rtl="0" eaLnBrk="1" latinLnBrk="0" hangingPunct="1">
-        <a:defRPr sz="1350" kern="1200">
+      <a:lvl1pPr marL="0" algn="l" defTabSz="914400" rtl="0" eaLnBrk="1" latinLnBrk="0" hangingPunct="1">
+        <a:defRPr sz="1800" kern="1200">
           <a:solidFill>
             <a:schemeClr val="tx1"/>
           </a:solidFill>
@@ -2868,8 +3083,8 @@
           <a:cs typeface="+mn-cs"/>
         </a:defRPr>
       </a:lvl1pPr>
-      <a:lvl2pPr marL="342900" algn="l" defTabSz="685800" rtl="0" eaLnBrk="1" latinLnBrk="0" hangingPunct="1">
-        <a:defRPr sz="1350" kern="1200">
+      <a:lvl2pPr marL="457200" algn="l" defTabSz="914400" rtl="0" eaLnBrk="1" latinLnBrk="0" hangingPunct="1">
+        <a:defRPr sz="1800" kern="1200">
           <a:solidFill>
             <a:schemeClr val="tx1"/>
           </a:solidFill>
@@ -2878,8 +3093,8 @@
           <a:cs typeface="+mn-cs"/>
         </a:defRPr>
       </a:lvl2pPr>
-      <a:lvl3pPr marL="685800" algn="l" defTabSz="685800" rtl="0" eaLnBrk="1" latinLnBrk="0" hangingPunct="1">
-        <a:defRPr sz="1350" kern="1200">
+      <a:lvl3pPr marL="914400" algn="l" defTabSz="914400" rtl="0" eaLnBrk="1" latinLnBrk="0" hangingPunct="1">
+        <a:defRPr sz="1800" kern="1200">
           <a:solidFill>
             <a:schemeClr val="tx1"/>
           </a:solidFill>
@@ -2888,8 +3103,8 @@
           <a:cs typeface="+mn-cs"/>
         </a:defRPr>
       </a:lvl3pPr>
-      <a:lvl4pPr marL="1028700" algn="l" defTabSz="685800" rtl="0" eaLnBrk="1" latinLnBrk="0" hangingPunct="1">
-        <a:defRPr sz="1350" kern="1200">
+      <a:lvl4pPr marL="1371600" algn="l" defTabSz="914400" rtl="0" eaLnBrk="1" latinLnBrk="0" hangingPunct="1">
+        <a:defRPr sz="1800" kern="1200">
           <a:solidFill>
             <a:schemeClr val="tx1"/>
           </a:solidFill>
@@ -2898,8 +3113,8 @@
           <a:cs typeface="+mn-cs"/>
         </a:defRPr>
       </a:lvl4pPr>
-      <a:lvl5pPr marL="1371600" algn="l" defTabSz="685800" rtl="0" eaLnBrk="1" latinLnBrk="0" hangingPunct="1">
-        <a:defRPr sz="1350" kern="1200">
+      <a:lvl5pPr marL="1828800" algn="l" defTabSz="914400" rtl="0" eaLnBrk="1" latinLnBrk="0" hangingPunct="1">
+        <a:defRPr sz="1800" kern="1200">
           <a:solidFill>
             <a:schemeClr val="tx1"/>
           </a:solidFill>
@@ -2908,8 +3123,8 @@
           <a:cs typeface="+mn-cs"/>
         </a:defRPr>
       </a:lvl5pPr>
-      <a:lvl6pPr marL="1714500" algn="l" defTabSz="685800" rtl="0" eaLnBrk="1" latinLnBrk="0" hangingPunct="1">
-        <a:defRPr sz="1350" kern="1200">
+      <a:lvl6pPr marL="2286000" algn="l" defTabSz="914400" rtl="0" eaLnBrk="1" latinLnBrk="0" hangingPunct="1">
+        <a:defRPr sz="1800" kern="1200">
           <a:solidFill>
             <a:schemeClr val="tx1"/>
           </a:solidFill>
@@ -2918,8 +3133,8 @@
           <a:cs typeface="+mn-cs"/>
         </a:defRPr>
       </a:lvl6pPr>
-      <a:lvl7pPr marL="2057400" algn="l" defTabSz="685800" rtl="0" eaLnBrk="1" latinLnBrk="0" hangingPunct="1">
-        <a:defRPr sz="1350" kern="1200">
+      <a:lvl7pPr marL="2743200" algn="l" defTabSz="914400" rtl="0" eaLnBrk="1" latinLnBrk="0" hangingPunct="1">
+        <a:defRPr sz="1800" kern="1200">
           <a:solidFill>
             <a:schemeClr val="tx1"/>
           </a:solidFill>
@@ -2928,8 +3143,8 @@
           <a:cs typeface="+mn-cs"/>
         </a:defRPr>
       </a:lvl7pPr>
-      <a:lvl8pPr marL="2400300" algn="l" defTabSz="685800" rtl="0" eaLnBrk="1" latinLnBrk="0" hangingPunct="1">
-        <a:defRPr sz="1350" kern="1200">
+      <a:lvl8pPr marL="3200400" algn="l" defTabSz="914400" rtl="0" eaLnBrk="1" latinLnBrk="0" hangingPunct="1">
+        <a:defRPr sz="1800" kern="1200">
           <a:solidFill>
             <a:schemeClr val="tx1"/>
           </a:solidFill>
@@ -2938,8 +3153,8 @@
           <a:cs typeface="+mn-cs"/>
         </a:defRPr>
       </a:lvl8pPr>
-      <a:lvl9pPr marL="2743200" algn="l" defTabSz="685800" rtl="0" eaLnBrk="1" latinLnBrk="0" hangingPunct="1">
-        <a:defRPr sz="1350" kern="1200">
+      <a:lvl9pPr marL="3657600" algn="l" defTabSz="914400" rtl="0" eaLnBrk="1" latinLnBrk="0" hangingPunct="1">
+        <a:defRPr sz="1800" kern="1200">
           <a:solidFill>
             <a:schemeClr val="tx1"/>
           </a:solidFill>
@@ -2987,7 +3202,7 @@
           <a:p>
             <a:r>
               <a:rPr lang="en-US" dirty="0" smtClean="0"/>
-              <a:t>FP Maze</a:t>
+              <a:t>Final Project</a:t>
             </a:r>
             <a:endParaRPr lang="en-US" dirty="0"/>
           </a:p>
@@ -3010,7 +3225,37 @@
           <a:p>
             <a:r>
               <a:rPr lang="en-US" dirty="0" smtClean="0"/>
-              <a:t>A first person maze</a:t>
+              <a:t>CS532 Computer Graphics</a:t>
+            </a:r>
+            <a:endParaRPr lang="en-US" dirty="0"/>
+          </a:p>
+        </p:txBody>
+      </p:sp>
+      <p:sp>
+        <p:nvSpPr>
+          <p:cNvPr id="4" name="TextBox 3"/>
+          <p:cNvSpPr txBox="1"/>
+          <p:nvPr/>
+        </p:nvSpPr>
+        <p:spPr>
+          <a:xfrm>
+            <a:off x="6477712" y="5523925"/>
+            <a:ext cx="1380506" cy="369332"/>
+          </a:xfrm>
+          <a:prstGeom prst="rect">
+            <a:avLst/>
+          </a:prstGeom>
+          <a:noFill/>
+        </p:spPr>
+        <p:txBody>
+          <a:bodyPr wrap="none" rtlCol="0">
+            <a:spAutoFit/>
+          </a:bodyPr>
+          <a:lstStyle/>
+          <a:p>
+            <a:r>
+              <a:rPr lang="en-US" dirty="0" smtClean="0"/>
+              <a:t>Adam Phung</a:t>
             </a:r>
             <a:endParaRPr lang="en-US" dirty="0"/>
           </a:p>
@@ -3020,6 +3265,59 @@
     <p:extLst>
       <p:ext uri="{BB962C8B-B14F-4D97-AF65-F5344CB8AC3E}">
         <p14:creationId xmlns:p14="http://schemas.microsoft.com/office/powerpoint/2010/main" val="617581384"/>
+      </p:ext>
+    </p:extLst>
+  </p:cSld>
+  <p:clrMapOvr>
+    <a:masterClrMapping/>
+  </p:clrMapOvr>
+</p:sld>
+</file>
+
+<file path=ppt/slides/slide10.xml><?xml version="1.0" encoding="utf-8"?>
+<p:sld xmlns:a="http://schemas.openxmlformats.org/drawingml/2006/main" xmlns:r="http://schemas.openxmlformats.org/officeDocument/2006/relationships" xmlns:p="http://schemas.openxmlformats.org/presentationml/2006/main">
+  <p:cSld>
+    <p:spTree>
+      <p:nvGrpSpPr>
+        <p:cNvPr id="1" name=""/>
+        <p:cNvGrpSpPr/>
+        <p:nvPr/>
+      </p:nvGrpSpPr>
+      <p:grpSpPr>
+        <a:xfrm>
+          <a:off x="0" y="0"/>
+          <a:ext cx="0" cy="0"/>
+          <a:chOff x="0" y="0"/>
+          <a:chExt cx="0" cy="0"/>
+        </a:xfrm>
+      </p:grpSpPr>
+      <p:sp>
+        <p:nvSpPr>
+          <p:cNvPr id="4" name="Title 3"/>
+          <p:cNvSpPr>
+            <a:spLocks noGrp="1"/>
+          </p:cNvSpPr>
+          <p:nvPr>
+            <p:ph type="title"/>
+          </p:nvPr>
+        </p:nvSpPr>
+        <p:spPr/>
+        <p:txBody>
+          <a:bodyPr/>
+          <a:lstStyle/>
+          <a:p>
+            <a:r>
+              <a:rPr lang="en-US" dirty="0" smtClean="0"/>
+              <a:t>Questions?</a:t>
+            </a:r>
+            <a:endParaRPr lang="en-US" dirty="0"/>
+          </a:p>
+        </p:txBody>
+      </p:sp>
+    </p:spTree>
+    <p:extLst>
+      <p:ext uri="{BB962C8B-B14F-4D97-AF65-F5344CB8AC3E}">
+        <p14:creationId xmlns:p14="http://schemas.microsoft.com/office/powerpoint/2010/main" val="3556472800"/>
       </p:ext>
     </p:extLst>
   </p:cSld>
@@ -3103,28 +3401,36 @@
           </a:p>
           <a:p>
             <a:r>
-              <a:rPr lang="en-US" smtClean="0"/>
+              <a:rPr lang="en-US" dirty="0" smtClean="0"/>
               <a:t>Maze Generator</a:t>
             </a:r>
+          </a:p>
+          <a:p>
+            <a:r>
+              <a:rPr lang="en-US" dirty="0" smtClean="0"/>
+              <a:t>Camera movement</a:t>
+            </a:r>
             <a:endParaRPr lang="en-US" dirty="0" smtClean="0"/>
           </a:p>
           <a:p>
             <a:r>
               <a:rPr lang="en-US" dirty="0" smtClean="0"/>
-              <a:t>Camera</a:t>
-            </a:r>
+              <a:t>Looking around</a:t>
+            </a:r>
+            <a:endParaRPr lang="en-US" dirty="0" smtClean="0"/>
           </a:p>
           <a:p>
             <a:r>
               <a:rPr lang="en-US" dirty="0" smtClean="0"/>
-              <a:t>Movement</a:t>
+              <a:t>Camera adjustments</a:t>
             </a:r>
           </a:p>
           <a:p>
             <a:r>
               <a:rPr lang="en-US" dirty="0" smtClean="0"/>
-              <a:t>Color and lighting</a:t>
-            </a:r>
+              <a:t>HUD</a:t>
+            </a:r>
+            <a:endParaRPr lang="en-US" dirty="0" smtClean="0"/>
           </a:p>
         </p:txBody>
       </p:sp>
@@ -3141,10 +3447,946 @@
 </p:sld>
 </file>
 
+<file path=ppt/slides/slide3.xml><?xml version="1.0" encoding="utf-8"?>
+<p:sld xmlns:a="http://schemas.openxmlformats.org/drawingml/2006/main" xmlns:r="http://schemas.openxmlformats.org/officeDocument/2006/relationships" xmlns:p="http://schemas.openxmlformats.org/presentationml/2006/main">
+  <p:cSld>
+    <p:spTree>
+      <p:nvGrpSpPr>
+        <p:cNvPr id="1" name=""/>
+        <p:cNvGrpSpPr/>
+        <p:nvPr/>
+      </p:nvGrpSpPr>
+      <p:grpSpPr>
+        <a:xfrm>
+          <a:off x="0" y="0"/>
+          <a:ext cx="0" cy="0"/>
+          <a:chOff x="0" y="0"/>
+          <a:chExt cx="0" cy="0"/>
+        </a:xfrm>
+      </p:grpSpPr>
+      <p:sp>
+        <p:nvSpPr>
+          <p:cNvPr id="2" name="Title 1"/>
+          <p:cNvSpPr>
+            <a:spLocks noGrp="1"/>
+          </p:cNvSpPr>
+          <p:nvPr>
+            <p:ph type="title"/>
+          </p:nvPr>
+        </p:nvSpPr>
+        <p:spPr/>
+        <p:txBody>
+          <a:bodyPr/>
+          <a:lstStyle/>
+          <a:p>
+            <a:r>
+              <a:rPr lang="en-US" dirty="0" smtClean="0"/>
+              <a:t>Introduction</a:t>
+            </a:r>
+            <a:endParaRPr lang="en-US" dirty="0"/>
+          </a:p>
+        </p:txBody>
+      </p:sp>
+      <p:sp>
+        <p:nvSpPr>
+          <p:cNvPr id="3" name="Content Placeholder 2"/>
+          <p:cNvSpPr>
+            <a:spLocks noGrp="1"/>
+          </p:cNvSpPr>
+          <p:nvPr>
+            <p:ph idx="1"/>
+          </p:nvPr>
+        </p:nvSpPr>
+        <p:spPr/>
+        <p:txBody>
+          <a:bodyPr/>
+          <a:lstStyle/>
+          <a:p>
+            <a:r>
+              <a:rPr lang="en-US" dirty="0" smtClean="0"/>
+              <a:t>First Person Maze inspired by old Windows screensaver</a:t>
+            </a:r>
+          </a:p>
+          <a:p>
+            <a:endParaRPr lang="en-US" dirty="0"/>
+          </a:p>
+        </p:txBody>
+      </p:sp>
+      <p:pic>
+        <p:nvPicPr>
+          <p:cNvPr id="1026" name="Picture 2" descr="C:\Users\Adam\Documents\GitHub\FinalProject\Powerpoint\maxresdefault.jpg"/>
+          <p:cNvPicPr>
+            <a:picLocks noChangeAspect="1" noChangeArrowheads="1"/>
+          </p:cNvPicPr>
+          <p:nvPr/>
+        </p:nvPicPr>
+        <p:blipFill>
+          <a:blip r:embed="rId2" cstate="print">
+            <a:extLst>
+              <a:ext uri="{28A0092B-C50C-407E-A947-70E740481C1C}">
+                <a14:useLocalDpi xmlns:a14="http://schemas.microsoft.com/office/drawing/2010/main" val="0"/>
+              </a:ext>
+            </a:extLst>
+          </a:blip>
+          <a:srcRect/>
+          <a:stretch>
+            <a:fillRect/>
+          </a:stretch>
+        </p:blipFill>
+        <p:spPr bwMode="auto">
+          <a:xfrm>
+            <a:off x="2084966" y="2442071"/>
+            <a:ext cx="4974068" cy="3730552"/>
+          </a:xfrm>
+          <a:prstGeom prst="rect">
+            <a:avLst/>
+          </a:prstGeom>
+          <a:noFill/>
+          <a:extLst>
+            <a:ext uri="{909E8E84-426E-40DD-AFC4-6F175D3DCCD1}">
+              <a14:hiddenFill xmlns:a14="http://schemas.microsoft.com/office/drawing/2010/main">
+                <a:solidFill>
+                  <a:srgbClr val="FFFFFF"/>
+                </a:solidFill>
+              </a14:hiddenFill>
+            </a:ext>
+          </a:extLst>
+        </p:spPr>
+      </p:pic>
+    </p:spTree>
+    <p:extLst>
+      <p:ext uri="{BB962C8B-B14F-4D97-AF65-F5344CB8AC3E}">
+        <p14:creationId xmlns:p14="http://schemas.microsoft.com/office/powerpoint/2010/main" val="1907461102"/>
+      </p:ext>
+    </p:extLst>
+  </p:cSld>
+  <p:clrMapOvr>
+    <a:masterClrMapping/>
+  </p:clrMapOvr>
+</p:sld>
+</file>
+
+<file path=ppt/slides/slide4.xml><?xml version="1.0" encoding="utf-8"?>
+<p:sld xmlns:a="http://schemas.openxmlformats.org/drawingml/2006/main" xmlns:r="http://schemas.openxmlformats.org/officeDocument/2006/relationships" xmlns:p="http://schemas.openxmlformats.org/presentationml/2006/main">
+  <p:cSld>
+    <p:spTree>
+      <p:nvGrpSpPr>
+        <p:cNvPr id="1" name=""/>
+        <p:cNvGrpSpPr/>
+        <p:nvPr/>
+      </p:nvGrpSpPr>
+      <p:grpSpPr>
+        <a:xfrm>
+          <a:off x="0" y="0"/>
+          <a:ext cx="0" cy="0"/>
+          <a:chOff x="0" y="0"/>
+          <a:chExt cx="0" cy="0"/>
+        </a:xfrm>
+      </p:grpSpPr>
+      <p:sp>
+        <p:nvSpPr>
+          <p:cNvPr id="4" name="Title 3"/>
+          <p:cNvSpPr>
+            <a:spLocks noGrp="1"/>
+          </p:cNvSpPr>
+          <p:nvPr>
+            <p:ph type="title"/>
+          </p:nvPr>
+        </p:nvSpPr>
+        <p:spPr/>
+        <p:txBody>
+          <a:bodyPr/>
+          <a:lstStyle/>
+          <a:p>
+            <a:r>
+              <a:rPr lang="en-US" dirty="0" smtClean="0"/>
+              <a:t>Demo</a:t>
+            </a:r>
+            <a:endParaRPr lang="en-US" dirty="0"/>
+          </a:p>
+        </p:txBody>
+      </p:sp>
+    </p:spTree>
+    <p:extLst>
+      <p:ext uri="{BB962C8B-B14F-4D97-AF65-F5344CB8AC3E}">
+        <p14:creationId xmlns:p14="http://schemas.microsoft.com/office/powerpoint/2010/main" val="3830367725"/>
+      </p:ext>
+    </p:extLst>
+  </p:cSld>
+  <p:clrMapOvr>
+    <a:masterClrMapping/>
+  </p:clrMapOvr>
+</p:sld>
+</file>
+
+<file path=ppt/slides/slide5.xml><?xml version="1.0" encoding="utf-8"?>
+<p:sld xmlns:a="http://schemas.openxmlformats.org/drawingml/2006/main" xmlns:r="http://schemas.openxmlformats.org/officeDocument/2006/relationships" xmlns:p="http://schemas.openxmlformats.org/presentationml/2006/main">
+  <p:cSld>
+    <p:spTree>
+      <p:nvGrpSpPr>
+        <p:cNvPr id="1" name=""/>
+        <p:cNvGrpSpPr/>
+        <p:nvPr/>
+      </p:nvGrpSpPr>
+      <p:grpSpPr>
+        <a:xfrm>
+          <a:off x="0" y="0"/>
+          <a:ext cx="0" cy="0"/>
+          <a:chOff x="0" y="0"/>
+          <a:chExt cx="0" cy="0"/>
+        </a:xfrm>
+      </p:grpSpPr>
+      <p:sp>
+        <p:nvSpPr>
+          <p:cNvPr id="2" name="Title 1"/>
+          <p:cNvSpPr>
+            <a:spLocks noGrp="1"/>
+          </p:cNvSpPr>
+          <p:nvPr>
+            <p:ph type="title"/>
+          </p:nvPr>
+        </p:nvSpPr>
+        <p:spPr/>
+        <p:txBody>
+          <a:bodyPr/>
+          <a:lstStyle/>
+          <a:p>
+            <a:r>
+              <a:rPr lang="en-US" dirty="0" smtClean="0"/>
+              <a:t>Maze Generator</a:t>
+            </a:r>
+            <a:endParaRPr lang="en-US" dirty="0"/>
+          </a:p>
+        </p:txBody>
+      </p:sp>
+      <p:sp>
+        <p:nvSpPr>
+          <p:cNvPr id="3" name="Content Placeholder 2"/>
+          <p:cNvSpPr>
+            <a:spLocks noGrp="1"/>
+          </p:cNvSpPr>
+          <p:nvPr>
+            <p:ph idx="1"/>
+          </p:nvPr>
+        </p:nvSpPr>
+        <p:spPr/>
+        <p:txBody>
+          <a:bodyPr/>
+          <a:lstStyle/>
+          <a:p>
+            <a:r>
+              <a:rPr lang="en-US" dirty="0" smtClean="0"/>
+              <a:t>Recursive backtracking algorithm</a:t>
+            </a:r>
+          </a:p>
+          <a:p>
+            <a:r>
+              <a:rPr lang="en-US" dirty="0">
+                <a:hlinkClick r:id="rId2"/>
+              </a:rPr>
+              <a:t>http://www.youtube.com/watch?v=8_qHpAAZCPI</a:t>
+            </a:r>
+            <a:endParaRPr lang="en-US" dirty="0" smtClean="0"/>
+          </a:p>
+        </p:txBody>
+      </p:sp>
+      <p:pic>
+        <p:nvPicPr>
+          <p:cNvPr id="2050" name="Picture 2"/>
+          <p:cNvPicPr>
+            <a:picLocks noChangeAspect="1" noChangeArrowheads="1"/>
+          </p:cNvPicPr>
+          <p:nvPr/>
+        </p:nvPicPr>
+        <p:blipFill>
+          <a:blip r:embed="rId3">
+            <a:extLst>
+              <a:ext uri="{28A0092B-C50C-407E-A947-70E740481C1C}">
+                <a14:useLocalDpi xmlns:a14="http://schemas.microsoft.com/office/drawing/2010/main" val="0"/>
+              </a:ext>
+            </a:extLst>
+          </a:blip>
+          <a:srcRect/>
+          <a:stretch>
+            <a:fillRect/>
+          </a:stretch>
+        </p:blipFill>
+        <p:spPr bwMode="auto">
+          <a:xfrm>
+            <a:off x="2419495" y="2691882"/>
+            <a:ext cx="4305011" cy="3520911"/>
+          </a:xfrm>
+          <a:prstGeom prst="rect">
+            <a:avLst/>
+          </a:prstGeom>
+          <a:noFill/>
+          <a:ln>
+            <a:noFill/>
+          </a:ln>
+          <a:extLst>
+            <a:ext uri="{909E8E84-426E-40DD-AFC4-6F175D3DCCD1}">
+              <a14:hiddenFill xmlns:a14="http://schemas.microsoft.com/office/drawing/2010/main">
+                <a:solidFill>
+                  <a:schemeClr val="accent1"/>
+                </a:solidFill>
+              </a14:hiddenFill>
+            </a:ext>
+            <a:ext uri="{91240B29-F687-4F45-9708-019B960494DF}">
+              <a14:hiddenLine xmlns:a14="http://schemas.microsoft.com/office/drawing/2010/main" w="9525">
+                <a:solidFill>
+                  <a:schemeClr val="tx1"/>
+                </a:solidFill>
+                <a:miter lim="800000"/>
+                <a:headEnd/>
+                <a:tailEnd/>
+              </a14:hiddenLine>
+            </a:ext>
+          </a:extLst>
+        </p:spPr>
+      </p:pic>
+    </p:spTree>
+    <p:extLst>
+      <p:ext uri="{BB962C8B-B14F-4D97-AF65-F5344CB8AC3E}">
+        <p14:creationId xmlns:p14="http://schemas.microsoft.com/office/powerpoint/2010/main" val="2520571551"/>
+      </p:ext>
+    </p:extLst>
+  </p:cSld>
+  <p:clrMapOvr>
+    <a:masterClrMapping/>
+  </p:clrMapOvr>
+</p:sld>
+</file>
+
+<file path=ppt/slides/slide6.xml><?xml version="1.0" encoding="utf-8"?>
+<p:sld xmlns:a="http://schemas.openxmlformats.org/drawingml/2006/main" xmlns:r="http://schemas.openxmlformats.org/officeDocument/2006/relationships" xmlns:p="http://schemas.openxmlformats.org/presentationml/2006/main">
+  <p:cSld>
+    <p:spTree>
+      <p:nvGrpSpPr>
+        <p:cNvPr id="1" name=""/>
+        <p:cNvGrpSpPr/>
+        <p:nvPr/>
+      </p:nvGrpSpPr>
+      <p:grpSpPr>
+        <a:xfrm>
+          <a:off x="0" y="0"/>
+          <a:ext cx="0" cy="0"/>
+          <a:chOff x="0" y="0"/>
+          <a:chExt cx="0" cy="0"/>
+        </a:xfrm>
+      </p:grpSpPr>
+      <p:sp>
+        <p:nvSpPr>
+          <p:cNvPr id="2" name="Title 1"/>
+          <p:cNvSpPr>
+            <a:spLocks noGrp="1"/>
+          </p:cNvSpPr>
+          <p:nvPr>
+            <p:ph type="title"/>
+          </p:nvPr>
+        </p:nvSpPr>
+        <p:spPr/>
+        <p:txBody>
+          <a:bodyPr/>
+          <a:lstStyle/>
+          <a:p>
+            <a:r>
+              <a:rPr lang="en-US" dirty="0" smtClean="0"/>
+              <a:t>Camera - Translation</a:t>
+            </a:r>
+            <a:endParaRPr lang="en-US" dirty="0"/>
+          </a:p>
+        </p:txBody>
+      </p:sp>
+      <p:sp>
+        <p:nvSpPr>
+          <p:cNvPr id="3" name="Content Placeholder 2"/>
+          <p:cNvSpPr>
+            <a:spLocks noGrp="1"/>
+          </p:cNvSpPr>
+          <p:nvPr>
+            <p:ph idx="1"/>
+          </p:nvPr>
+        </p:nvSpPr>
+        <p:spPr>
+          <a:xfrm>
+            <a:off x="568830" y="3133132"/>
+            <a:ext cx="3234049" cy="1768573"/>
+          </a:xfrm>
+        </p:spPr>
+        <p:txBody>
+          <a:bodyPr/>
+          <a:lstStyle/>
+          <a:p>
+            <a:pPr marL="0" indent="0" algn="ctr">
+              <a:buNone/>
+            </a:pPr>
+            <a:r>
+              <a:rPr lang="en-US" dirty="0" smtClean="0"/>
+              <a:t>Determine where the</a:t>
+            </a:r>
+            <a:br>
+              <a:rPr lang="en-US" dirty="0" smtClean="0"/>
+            </a:br>
+            <a:r>
+              <a:rPr lang="en-US" dirty="0" smtClean="0"/>
+              <a:t>camera will be after</a:t>
+            </a:r>
+            <a:br>
+              <a:rPr lang="en-US" dirty="0" smtClean="0"/>
+            </a:br>
+            <a:r>
+              <a:rPr lang="en-US" dirty="0" smtClean="0"/>
+              <a:t>movement</a:t>
+            </a:r>
+          </a:p>
+        </p:txBody>
+      </p:sp>
+      <p:pic>
+        <p:nvPicPr>
+          <p:cNvPr id="3074" name="Picture 2"/>
+          <p:cNvPicPr>
+            <a:picLocks noChangeAspect="1" noChangeArrowheads="1"/>
+          </p:cNvPicPr>
+          <p:nvPr/>
+        </p:nvPicPr>
+        <p:blipFill>
+          <a:blip r:embed="rId2">
+            <a:extLst>
+              <a:ext uri="{28A0092B-C50C-407E-A947-70E740481C1C}">
+                <a14:useLocalDpi xmlns:a14="http://schemas.microsoft.com/office/drawing/2010/main" val="0"/>
+              </a:ext>
+            </a:extLst>
+          </a:blip>
+          <a:srcRect/>
+          <a:stretch>
+            <a:fillRect/>
+          </a:stretch>
+        </p:blipFill>
+        <p:spPr bwMode="auto">
+          <a:xfrm>
+            <a:off x="4598706" y="549693"/>
+            <a:ext cx="4393338" cy="6023406"/>
+          </a:xfrm>
+          <a:prstGeom prst="rect">
+            <a:avLst/>
+          </a:prstGeom>
+          <a:noFill/>
+          <a:ln>
+            <a:noFill/>
+          </a:ln>
+          <a:extLst>
+            <a:ext uri="{909E8E84-426E-40DD-AFC4-6F175D3DCCD1}">
+              <a14:hiddenFill xmlns:a14="http://schemas.microsoft.com/office/drawing/2010/main">
+                <a:solidFill>
+                  <a:schemeClr val="accent1"/>
+                </a:solidFill>
+              </a14:hiddenFill>
+            </a:ext>
+            <a:ext uri="{91240B29-F687-4F45-9708-019B960494DF}">
+              <a14:hiddenLine xmlns:a14="http://schemas.microsoft.com/office/drawing/2010/main" w="9525">
+                <a:solidFill>
+                  <a:schemeClr val="tx1"/>
+                </a:solidFill>
+                <a:miter lim="800000"/>
+                <a:headEnd/>
+                <a:tailEnd/>
+              </a14:hiddenLine>
+            </a:ext>
+          </a:extLst>
+        </p:spPr>
+      </p:pic>
+    </p:spTree>
+    <p:extLst>
+      <p:ext uri="{BB962C8B-B14F-4D97-AF65-F5344CB8AC3E}">
+        <p14:creationId xmlns:p14="http://schemas.microsoft.com/office/powerpoint/2010/main" val="1066638098"/>
+      </p:ext>
+    </p:extLst>
+  </p:cSld>
+  <p:clrMapOvr>
+    <a:masterClrMapping/>
+  </p:clrMapOvr>
+</p:sld>
+</file>
+
+<file path=ppt/slides/slide7.xml><?xml version="1.0" encoding="utf-8"?>
+<p:sld xmlns:a="http://schemas.openxmlformats.org/drawingml/2006/main" xmlns:r="http://schemas.openxmlformats.org/officeDocument/2006/relationships" xmlns:p="http://schemas.openxmlformats.org/presentationml/2006/main">
+  <p:cSld>
+    <p:spTree>
+      <p:nvGrpSpPr>
+        <p:cNvPr id="1" name=""/>
+        <p:cNvGrpSpPr/>
+        <p:nvPr/>
+      </p:nvGrpSpPr>
+      <p:grpSpPr>
+        <a:xfrm>
+          <a:off x="0" y="0"/>
+          <a:ext cx="0" cy="0"/>
+          <a:chOff x="0" y="0"/>
+          <a:chExt cx="0" cy="0"/>
+        </a:xfrm>
+      </p:grpSpPr>
+      <p:sp>
+        <p:nvSpPr>
+          <p:cNvPr id="2" name="Title 1"/>
+          <p:cNvSpPr>
+            <a:spLocks noGrp="1"/>
+          </p:cNvSpPr>
+          <p:nvPr>
+            <p:ph type="title"/>
+          </p:nvPr>
+        </p:nvSpPr>
+        <p:spPr/>
+        <p:txBody>
+          <a:bodyPr/>
+          <a:lstStyle/>
+          <a:p>
+            <a:r>
+              <a:rPr lang="en-US" dirty="0" smtClean="0"/>
+              <a:t>Camera - Free look</a:t>
+            </a:r>
+            <a:endParaRPr lang="en-US" dirty="0"/>
+          </a:p>
+        </p:txBody>
+      </p:sp>
+      <p:sp>
+        <p:nvSpPr>
+          <p:cNvPr id="3" name="Content Placeholder 2"/>
+          <p:cNvSpPr>
+            <a:spLocks noGrp="1"/>
+          </p:cNvSpPr>
+          <p:nvPr>
+            <p:ph idx="1"/>
+          </p:nvPr>
+        </p:nvSpPr>
+        <p:spPr>
+          <a:xfrm>
+            <a:off x="4497225" y="1989237"/>
+            <a:ext cx="3234049" cy="1768573"/>
+          </a:xfrm>
+        </p:spPr>
+        <p:txBody>
+          <a:bodyPr>
+            <a:normAutofit/>
+          </a:bodyPr>
+          <a:lstStyle/>
+          <a:p>
+            <a:pPr marL="0" indent="0" algn="ctr">
+              <a:buNone/>
+            </a:pPr>
+            <a:r>
+              <a:rPr lang="en-US" dirty="0" smtClean="0"/>
+              <a:t>Movement with the mouse</a:t>
+            </a:r>
+            <a:br>
+              <a:rPr lang="en-US" dirty="0" smtClean="0"/>
+            </a:br>
+            <a:r>
+              <a:rPr lang="en-US" dirty="0" smtClean="0"/>
+              <a:t>to look up, down and</a:t>
+            </a:r>
+            <a:br>
+              <a:rPr lang="en-US" dirty="0" smtClean="0"/>
+            </a:br>
+            <a:r>
+              <a:rPr lang="en-US" dirty="0" smtClean="0"/>
+              <a:t>around the camera</a:t>
+            </a:r>
+          </a:p>
+        </p:txBody>
+      </p:sp>
+      <p:pic>
+        <p:nvPicPr>
+          <p:cNvPr id="5122" name="Picture 2"/>
+          <p:cNvPicPr>
+            <a:picLocks noChangeAspect="1" noChangeArrowheads="1"/>
+          </p:cNvPicPr>
+          <p:nvPr/>
+        </p:nvPicPr>
+        <p:blipFill>
+          <a:blip r:embed="rId2">
+            <a:extLst>
+              <a:ext uri="{28A0092B-C50C-407E-A947-70E740481C1C}">
+                <a14:useLocalDpi xmlns:a14="http://schemas.microsoft.com/office/drawing/2010/main" val="0"/>
+              </a:ext>
+            </a:extLst>
+          </a:blip>
+          <a:srcRect/>
+          <a:stretch>
+            <a:fillRect/>
+          </a:stretch>
+        </p:blipFill>
+        <p:spPr bwMode="auto">
+          <a:xfrm>
+            <a:off x="936077" y="1852479"/>
+            <a:ext cx="3152775" cy="3238500"/>
+          </a:xfrm>
+          <a:prstGeom prst="rect">
+            <a:avLst/>
+          </a:prstGeom>
+          <a:noFill/>
+          <a:ln>
+            <a:noFill/>
+          </a:ln>
+          <a:extLst>
+            <a:ext uri="{909E8E84-426E-40DD-AFC4-6F175D3DCCD1}">
+              <a14:hiddenFill xmlns:a14="http://schemas.microsoft.com/office/drawing/2010/main">
+                <a:solidFill>
+                  <a:schemeClr val="accent1"/>
+                </a:solidFill>
+              </a14:hiddenFill>
+            </a:ext>
+            <a:ext uri="{91240B29-F687-4F45-9708-019B960494DF}">
+              <a14:hiddenLine xmlns:a14="http://schemas.microsoft.com/office/drawing/2010/main" w="9525">
+                <a:solidFill>
+                  <a:schemeClr val="tx1"/>
+                </a:solidFill>
+                <a:miter lim="800000"/>
+                <a:headEnd/>
+                <a:tailEnd/>
+              </a14:hiddenLine>
+            </a:ext>
+          </a:extLst>
+        </p:spPr>
+      </p:pic>
+      <p:pic>
+        <p:nvPicPr>
+          <p:cNvPr id="5123" name="Picture 3" descr="C:\Users\Adam\Documents\GitHub\FinalProject\Powerpoint\200px-Flight_dynamics_with_text.png"/>
+          <p:cNvPicPr>
+            <a:picLocks noChangeAspect="1" noChangeArrowheads="1"/>
+          </p:cNvPicPr>
+          <p:nvPr/>
+        </p:nvPicPr>
+        <p:blipFill>
+          <a:blip r:embed="rId3">
+            <a:extLst>
+              <a:ext uri="{28A0092B-C50C-407E-A947-70E740481C1C}">
+                <a14:useLocalDpi xmlns:a14="http://schemas.microsoft.com/office/drawing/2010/main" val="0"/>
+              </a:ext>
+            </a:extLst>
+          </a:blip>
+          <a:srcRect/>
+          <a:stretch>
+            <a:fillRect/>
+          </a:stretch>
+        </p:blipFill>
+        <p:spPr bwMode="auto">
+          <a:xfrm>
+            <a:off x="4671138" y="3934226"/>
+            <a:ext cx="2582314" cy="1936736"/>
+          </a:xfrm>
+          <a:prstGeom prst="rect">
+            <a:avLst/>
+          </a:prstGeom>
+          <a:noFill/>
+          <a:extLst>
+            <a:ext uri="{909E8E84-426E-40DD-AFC4-6F175D3DCCD1}">
+              <a14:hiddenFill xmlns:a14="http://schemas.microsoft.com/office/drawing/2010/main">
+                <a:solidFill>
+                  <a:srgbClr val="FFFFFF"/>
+                </a:solidFill>
+              </a14:hiddenFill>
+            </a:ext>
+          </a:extLst>
+        </p:spPr>
+      </p:pic>
+    </p:spTree>
+    <p:extLst>
+      <p:ext uri="{BB962C8B-B14F-4D97-AF65-F5344CB8AC3E}">
+        <p14:creationId xmlns:p14="http://schemas.microsoft.com/office/powerpoint/2010/main" val="1434346633"/>
+      </p:ext>
+    </p:extLst>
+  </p:cSld>
+  <p:clrMapOvr>
+    <a:masterClrMapping/>
+  </p:clrMapOvr>
+</p:sld>
+</file>
+
+<file path=ppt/slides/slide8.xml><?xml version="1.0" encoding="utf-8"?>
+<p:sld xmlns:a="http://schemas.openxmlformats.org/drawingml/2006/main" xmlns:r="http://schemas.openxmlformats.org/officeDocument/2006/relationships" xmlns:p="http://schemas.openxmlformats.org/presentationml/2006/main">
+  <p:cSld>
+    <p:spTree>
+      <p:nvGrpSpPr>
+        <p:cNvPr id="1" name=""/>
+        <p:cNvGrpSpPr/>
+        <p:nvPr/>
+      </p:nvGrpSpPr>
+      <p:grpSpPr>
+        <a:xfrm>
+          <a:off x="0" y="0"/>
+          <a:ext cx="0" cy="0"/>
+          <a:chOff x="0" y="0"/>
+          <a:chExt cx="0" cy="0"/>
+        </a:xfrm>
+      </p:grpSpPr>
+      <p:sp>
+        <p:nvSpPr>
+          <p:cNvPr id="2" name="Title 1"/>
+          <p:cNvSpPr>
+            <a:spLocks noGrp="1"/>
+          </p:cNvSpPr>
+          <p:nvPr>
+            <p:ph type="title"/>
+          </p:nvPr>
+        </p:nvSpPr>
+        <p:spPr/>
+        <p:txBody>
+          <a:bodyPr/>
+          <a:lstStyle/>
+          <a:p>
+            <a:r>
+              <a:rPr lang="en-US" dirty="0" smtClean="0"/>
+              <a:t>Camera – Look</a:t>
+            </a:r>
+            <a:endParaRPr lang="en-US" dirty="0"/>
+          </a:p>
+        </p:txBody>
+      </p:sp>
+      <p:sp>
+        <p:nvSpPr>
+          <p:cNvPr id="3" name="Content Placeholder 2"/>
+          <p:cNvSpPr>
+            <a:spLocks noGrp="1"/>
+          </p:cNvSpPr>
+          <p:nvPr>
+            <p:ph idx="1"/>
+          </p:nvPr>
+        </p:nvSpPr>
+        <p:spPr>
+          <a:xfrm>
+            <a:off x="369606" y="2954911"/>
+            <a:ext cx="3234049" cy="1768573"/>
+          </a:xfrm>
+        </p:spPr>
+        <p:txBody>
+          <a:bodyPr/>
+          <a:lstStyle/>
+          <a:p>
+            <a:pPr marL="0" indent="0" algn="ctr">
+              <a:buNone/>
+            </a:pPr>
+            <a:r>
+              <a:rPr lang="en-US" dirty="0" smtClean="0"/>
+              <a:t>Determine where the</a:t>
+            </a:r>
+            <a:br>
+              <a:rPr lang="en-US" dirty="0" smtClean="0"/>
+            </a:br>
+            <a:r>
+              <a:rPr lang="en-US" dirty="0" smtClean="0"/>
+              <a:t>camera should be </a:t>
+            </a:r>
+            <a:br>
+              <a:rPr lang="en-US" dirty="0" smtClean="0"/>
+            </a:br>
+            <a:r>
+              <a:rPr lang="en-US" dirty="0" smtClean="0"/>
+              <a:t>looking</a:t>
+            </a:r>
+          </a:p>
+        </p:txBody>
+      </p:sp>
+      <p:pic>
+        <p:nvPicPr>
+          <p:cNvPr id="4098" name="Picture 2"/>
+          <p:cNvPicPr>
+            <a:picLocks noChangeAspect="1" noChangeArrowheads="1"/>
+          </p:cNvPicPr>
+          <p:nvPr/>
+        </p:nvPicPr>
+        <p:blipFill>
+          <a:blip r:embed="rId2">
+            <a:extLst>
+              <a:ext uri="{28A0092B-C50C-407E-A947-70E740481C1C}">
+                <a14:useLocalDpi xmlns:a14="http://schemas.microsoft.com/office/drawing/2010/main" val="0"/>
+              </a:ext>
+            </a:extLst>
+          </a:blip>
+          <a:srcRect/>
+          <a:stretch>
+            <a:fillRect/>
+          </a:stretch>
+        </p:blipFill>
+        <p:spPr bwMode="auto">
+          <a:xfrm>
+            <a:off x="3911837" y="2328195"/>
+            <a:ext cx="5029200" cy="2628900"/>
+          </a:xfrm>
+          <a:prstGeom prst="rect">
+            <a:avLst/>
+          </a:prstGeom>
+          <a:noFill/>
+          <a:ln>
+            <a:noFill/>
+          </a:ln>
+          <a:extLst>
+            <a:ext uri="{909E8E84-426E-40DD-AFC4-6F175D3DCCD1}">
+              <a14:hiddenFill xmlns:a14="http://schemas.microsoft.com/office/drawing/2010/main">
+                <a:solidFill>
+                  <a:schemeClr val="accent1"/>
+                </a:solidFill>
+              </a14:hiddenFill>
+            </a:ext>
+            <a:ext uri="{91240B29-F687-4F45-9708-019B960494DF}">
+              <a14:hiddenLine xmlns:a14="http://schemas.microsoft.com/office/drawing/2010/main" w="9525">
+                <a:solidFill>
+                  <a:schemeClr val="tx1"/>
+                </a:solidFill>
+                <a:miter lim="800000"/>
+                <a:headEnd/>
+                <a:tailEnd/>
+              </a14:hiddenLine>
+            </a:ext>
+          </a:extLst>
+        </p:spPr>
+      </p:pic>
+    </p:spTree>
+    <p:extLst>
+      <p:ext uri="{BB962C8B-B14F-4D97-AF65-F5344CB8AC3E}">
+        <p14:creationId xmlns:p14="http://schemas.microsoft.com/office/powerpoint/2010/main" val="1352908397"/>
+      </p:ext>
+    </p:extLst>
+  </p:cSld>
+  <p:clrMapOvr>
+    <a:masterClrMapping/>
+  </p:clrMapOvr>
+</p:sld>
+</file>
+
+<file path=ppt/slides/slide9.xml><?xml version="1.0" encoding="utf-8"?>
+<p:sld xmlns:a="http://schemas.openxmlformats.org/drawingml/2006/main" xmlns:r="http://schemas.openxmlformats.org/officeDocument/2006/relationships" xmlns:p="http://schemas.openxmlformats.org/presentationml/2006/main">
+  <p:cSld>
+    <p:spTree>
+      <p:nvGrpSpPr>
+        <p:cNvPr id="1" name=""/>
+        <p:cNvGrpSpPr/>
+        <p:nvPr/>
+      </p:nvGrpSpPr>
+      <p:grpSpPr>
+        <a:xfrm>
+          <a:off x="0" y="0"/>
+          <a:ext cx="0" cy="0"/>
+          <a:chOff x="0" y="0"/>
+          <a:chExt cx="0" cy="0"/>
+        </a:xfrm>
+      </p:grpSpPr>
+      <p:sp>
+        <p:nvSpPr>
+          <p:cNvPr id="2" name="Title 1"/>
+          <p:cNvSpPr>
+            <a:spLocks noGrp="1"/>
+          </p:cNvSpPr>
+          <p:nvPr>
+            <p:ph type="title"/>
+          </p:nvPr>
+        </p:nvSpPr>
+        <p:spPr/>
+        <p:txBody>
+          <a:bodyPr/>
+          <a:lstStyle/>
+          <a:p>
+            <a:r>
+              <a:rPr lang="en-US" dirty="0" smtClean="0"/>
+              <a:t>Heads Up Display (HUD)</a:t>
+            </a:r>
+            <a:endParaRPr lang="en-US" dirty="0"/>
+          </a:p>
+        </p:txBody>
+      </p:sp>
+      <p:sp>
+        <p:nvSpPr>
+          <p:cNvPr id="3" name="Content Placeholder 2"/>
+          <p:cNvSpPr>
+            <a:spLocks noGrp="1"/>
+          </p:cNvSpPr>
+          <p:nvPr>
+            <p:ph idx="1"/>
+          </p:nvPr>
+        </p:nvSpPr>
+        <p:spPr/>
+        <p:txBody>
+          <a:bodyPr/>
+          <a:lstStyle/>
+          <a:p>
+            <a:r>
+              <a:rPr lang="en-US" dirty="0" smtClean="0"/>
+              <a:t>Switches projection mode from Perspective to Orthographic to display screen elements then switches back to render the rest of the scene</a:t>
+            </a:r>
+            <a:endParaRPr lang="en-US" dirty="0"/>
+          </a:p>
+        </p:txBody>
+      </p:sp>
+      <p:pic>
+        <p:nvPicPr>
+          <p:cNvPr id="6146" name="Picture 2"/>
+          <p:cNvPicPr>
+            <a:picLocks noChangeAspect="1" noChangeArrowheads="1"/>
+          </p:cNvPicPr>
+          <p:nvPr/>
+        </p:nvPicPr>
+        <p:blipFill>
+          <a:blip r:embed="rId2">
+            <a:extLst>
+              <a:ext uri="{28A0092B-C50C-407E-A947-70E740481C1C}">
+                <a14:useLocalDpi xmlns:a14="http://schemas.microsoft.com/office/drawing/2010/main" val="0"/>
+              </a:ext>
+            </a:extLst>
+          </a:blip>
+          <a:srcRect/>
+          <a:stretch>
+            <a:fillRect/>
+          </a:stretch>
+        </p:blipFill>
+        <p:spPr bwMode="auto">
+          <a:xfrm>
+            <a:off x="2284710" y="2882069"/>
+            <a:ext cx="4181475" cy="3086100"/>
+          </a:xfrm>
+          <a:prstGeom prst="rect">
+            <a:avLst/>
+          </a:prstGeom>
+          <a:noFill/>
+          <a:ln>
+            <a:noFill/>
+          </a:ln>
+          <a:extLst>
+            <a:ext uri="{909E8E84-426E-40DD-AFC4-6F175D3DCCD1}">
+              <a14:hiddenFill xmlns:a14="http://schemas.microsoft.com/office/drawing/2010/main">
+                <a:solidFill>
+                  <a:schemeClr val="accent1"/>
+                </a:solidFill>
+              </a14:hiddenFill>
+            </a:ext>
+            <a:ext uri="{91240B29-F687-4F45-9708-019B960494DF}">
+              <a14:hiddenLine xmlns:a14="http://schemas.microsoft.com/office/drawing/2010/main" w="9525">
+                <a:solidFill>
+                  <a:schemeClr val="tx1"/>
+                </a:solidFill>
+                <a:miter lim="800000"/>
+                <a:headEnd/>
+                <a:tailEnd/>
+              </a14:hiddenLine>
+            </a:ext>
+          </a:extLst>
+        </p:spPr>
+      </p:pic>
+    </p:spTree>
+    <p:extLst>
+      <p:ext uri="{BB962C8B-B14F-4D97-AF65-F5344CB8AC3E}">
+        <p14:creationId xmlns:p14="http://schemas.microsoft.com/office/powerpoint/2010/main" val="3136249279"/>
+      </p:ext>
+    </p:extLst>
+  </p:cSld>
+  <p:clrMapOvr>
+    <a:masterClrMapping/>
+  </p:clrMapOvr>
+</p:sld>
+</file>
+
 <file path=ppt/theme/theme1.xml><?xml version="1.0" encoding="utf-8"?>
-<a:theme xmlns:a="http://schemas.openxmlformats.org/drawingml/2006/main" name="Office Theme">
+<a:theme xmlns:a="http://schemas.openxmlformats.org/drawingml/2006/main" name="Adjacency">
   <a:themeElements>
-    <a:clrScheme name="Office">
+    <a:clrScheme name="Executive">
       <a:dk1>
         <a:sysClr val="windowText" lastClr="000000"/>
       </a:dk1>
@@ -3152,42 +4394,42 @@
         <a:sysClr val="window" lastClr="FFFFFF"/>
       </a:lt1>
       <a:dk2>
-        <a:srgbClr val="44546A"/>
+        <a:srgbClr val="2F5897"/>
       </a:dk2>
       <a:lt2>
-        <a:srgbClr val="E7E6E6"/>
+        <a:srgbClr val="E4E9EF"/>
       </a:lt2>
       <a:accent1>
-        <a:srgbClr val="5B9BD5"/>
+        <a:srgbClr val="6076B4"/>
       </a:accent1>
       <a:accent2>
-        <a:srgbClr val="ED7D31"/>
+        <a:srgbClr val="9C5252"/>
       </a:accent2>
       <a:accent3>
-        <a:srgbClr val="A5A5A5"/>
+        <a:srgbClr val="E68422"/>
       </a:accent3>
       <a:accent4>
-        <a:srgbClr val="FFC000"/>
+        <a:srgbClr val="846648"/>
       </a:accent4>
       <a:accent5>
-        <a:srgbClr val="4472C4"/>
+        <a:srgbClr val="63891F"/>
       </a:accent5>
       <a:accent6>
-        <a:srgbClr val="70AD47"/>
+        <a:srgbClr val="758085"/>
       </a:accent6>
       <a:hlink>
-        <a:srgbClr val="0563C1"/>
+        <a:srgbClr val="3399FF"/>
       </a:hlink>
       <a:folHlink>
-        <a:srgbClr val="954F72"/>
+        <a:srgbClr val="B2B2B2"/>
       </a:folHlink>
     </a:clrScheme>
     <a:fontScheme name="Office">
       <a:majorFont>
-        <a:latin typeface="Calibri Light" panose="020F0302020204030204"/>
+        <a:latin typeface="Cambria"/>
         <a:ea typeface=""/>
         <a:cs typeface=""/>
-        <a:font script="Jpan" typeface="ＭＳ Ｐゴシック"/>
+        <a:font script="Jpan" typeface="ＭＳ ゴシック"/>
         <a:font script="Hang" typeface="맑은 고딕"/>
         <a:font script="Hans" typeface="宋体"/>
         <a:font script="Hant" typeface="新細明體"/>
@@ -3219,10 +4461,10 @@
         <a:font script="Geor" typeface="Sylfaen"/>
       </a:majorFont>
       <a:minorFont>
-        <a:latin typeface="Calibri" panose="020F0502020204030204"/>
+        <a:latin typeface="Calibri"/>
         <a:ea typeface=""/>
         <a:cs typeface=""/>
-        <a:font script="Jpan" typeface="ＭＳ Ｐゴシック"/>
+        <a:font script="Jpan" typeface="ＭＳ 明朝"/>
         <a:font script="Hang" typeface="맑은 고딕"/>
         <a:font script="Hans" typeface="宋体"/>
         <a:font script="Hant" typeface="新細明體"/>
@@ -3254,8 +4496,78 @@
         <a:font script="Geor" typeface="Sylfaen"/>
       </a:minorFont>
     </a:fontScheme>
-    <a:fmtScheme name="Office">
+    <a:fmtScheme name="Adjacency">
       <a:fillStyleLst>
+        <a:solidFill>
+          <a:schemeClr val="phClr"/>
+        </a:solidFill>
+        <a:solidFill>
+          <a:schemeClr val="phClr">
+            <a:tint val="55000"/>
+          </a:schemeClr>
+        </a:solidFill>
+        <a:solidFill>
+          <a:schemeClr val="phClr"/>
+        </a:solidFill>
+      </a:fillStyleLst>
+      <a:lnStyleLst>
+        <a:ln w="12700" cap="flat" cmpd="sng" algn="ctr">
+          <a:solidFill>
+            <a:schemeClr val="phClr">
+              <a:shade val="95000"/>
+              <a:satMod val="105000"/>
+            </a:schemeClr>
+          </a:solidFill>
+          <a:prstDash val="solid"/>
+        </a:ln>
+        <a:ln w="25400" cap="flat" cmpd="sng" algn="ctr">
+          <a:solidFill>
+            <a:schemeClr val="phClr"/>
+          </a:solidFill>
+          <a:prstDash val="solid"/>
+        </a:ln>
+        <a:ln w="38100" cap="flat" cmpd="sng" algn="ctr">
+          <a:solidFill>
+            <a:schemeClr val="phClr"/>
+          </a:solidFill>
+          <a:prstDash val="solid"/>
+        </a:ln>
+      </a:lnStyleLst>
+      <a:effectStyleLst>
+        <a:effectStyle>
+          <a:effectLst/>
+        </a:effectStyle>
+        <a:effectStyle>
+          <a:effectLst>
+            <a:outerShdw blurRad="50800" dist="25400" algn="bl" rotWithShape="0">
+              <a:srgbClr val="000000">
+                <a:alpha val="60000"/>
+              </a:srgbClr>
+            </a:outerShdw>
+          </a:effectLst>
+        </a:effectStyle>
+        <a:effectStyle>
+          <a:effectLst/>
+          <a:scene3d>
+            <a:camera prst="orthographicFront">
+              <a:rot lat="0" lon="0" rev="0"/>
+            </a:camera>
+            <a:lightRig rig="brightRoom" dir="tl">
+              <a:rot lat="0" lon="0" rev="1800000"/>
+            </a:lightRig>
+          </a:scene3d>
+          <a:sp3d contourW="10160" prstMaterial="dkEdge">
+            <a:bevelT w="38100" h="50800" prst="angle"/>
+            <a:contourClr>
+              <a:schemeClr val="phClr">
+                <a:shade val="40000"/>
+                <a:satMod val="150000"/>
+              </a:schemeClr>
+            </a:contourClr>
+          </a:sp3d>
+        </a:effectStyle>
+      </a:effectStyleLst>
+      <a:bgFillStyleLst>
         <a:solidFill>
           <a:schemeClr val="phClr"/>
         </a:solidFill>
@@ -3263,141 +4575,43 @@
           <a:gsLst>
             <a:gs pos="0">
               <a:schemeClr val="phClr">
-                <a:lumMod val="110000"/>
-                <a:satMod val="105000"/>
-                <a:tint val="67000"/>
+                <a:tint val="90000"/>
               </a:schemeClr>
             </a:gs>
-            <a:gs pos="50000">
+            <a:gs pos="75000">
               <a:schemeClr val="phClr">
-                <a:lumMod val="105000"/>
-                <a:satMod val="103000"/>
-                <a:tint val="73000"/>
+                <a:shade val="100000"/>
+                <a:satMod val="115000"/>
               </a:schemeClr>
             </a:gs>
             <a:gs pos="100000">
               <a:schemeClr val="phClr">
-                <a:lumMod val="105000"/>
-                <a:satMod val="109000"/>
-                <a:tint val="81000"/>
+                <a:shade val="70000"/>
+                <a:satMod val="130000"/>
               </a:schemeClr>
             </a:gs>
           </a:gsLst>
-          <a:lin ang="5400000" scaled="0"/>
+          <a:path path="circle">
+            <a:fillToRect l="20000" t="50000" r="100000" b="50000"/>
+          </a:path>
         </a:gradFill>
-        <a:gradFill rotWithShape="1">
-          <a:gsLst>
-            <a:gs pos="0">
+        <a:blipFill rotWithShape="1">
+          <a:blip xmlns:r="http://schemas.openxmlformats.org/officeDocument/2006/relationships" r:embed="rId1">
+            <a:duotone>
               <a:schemeClr val="phClr">
-                <a:satMod val="103000"/>
-                <a:lumMod val="102000"/>
-                <a:tint val="94000"/>
+                <a:tint val="97000"/>
               </a:schemeClr>
-            </a:gs>
-            <a:gs pos="50000">
               <a:schemeClr val="phClr">
-                <a:satMod val="110000"/>
-                <a:lumMod val="100000"/>
-                <a:shade val="100000"/>
+                <a:shade val="96000"/>
               </a:schemeClr>
-            </a:gs>
-            <a:gs pos="100000">
-              <a:schemeClr val="phClr">
-                <a:lumMod val="99000"/>
-                <a:satMod val="120000"/>
-                <a:shade val="78000"/>
-              </a:schemeClr>
-            </a:gs>
-          </a:gsLst>
-          <a:lin ang="5400000" scaled="0"/>
-        </a:gradFill>
-      </a:fillStyleLst>
-      <a:lnStyleLst>
-        <a:ln w="6350" cap="flat" cmpd="sng" algn="ctr">
-          <a:solidFill>
-            <a:schemeClr val="phClr"/>
-          </a:solidFill>
-          <a:prstDash val="solid"/>
-          <a:miter lim="800000"/>
-        </a:ln>
-        <a:ln w="12700" cap="flat" cmpd="sng" algn="ctr">
-          <a:solidFill>
-            <a:schemeClr val="phClr"/>
-          </a:solidFill>
-          <a:prstDash val="solid"/>
-          <a:miter lim="800000"/>
-        </a:ln>
-        <a:ln w="19050" cap="flat" cmpd="sng" algn="ctr">
-          <a:solidFill>
-            <a:schemeClr val="phClr"/>
-          </a:solidFill>
-          <a:prstDash val="solid"/>
-          <a:miter lim="800000"/>
-        </a:ln>
-      </a:lnStyleLst>
-      <a:effectStyleLst>
-        <a:effectStyle>
-          <a:effectLst/>
-        </a:effectStyle>
-        <a:effectStyle>
-          <a:effectLst/>
-        </a:effectStyle>
-        <a:effectStyle>
-          <a:effectLst>
-            <a:outerShdw blurRad="57150" dist="19050" dir="5400000" algn="ctr" rotWithShape="0">
-              <a:srgbClr val="000000">
-                <a:alpha val="63000"/>
-              </a:srgbClr>
-            </a:outerShdw>
-          </a:effectLst>
-        </a:effectStyle>
-      </a:effectStyleLst>
-      <a:bgFillStyleLst>
-        <a:solidFill>
-          <a:schemeClr val="phClr"/>
-        </a:solidFill>
-        <a:solidFill>
-          <a:schemeClr val="phClr">
-            <a:tint val="95000"/>
-            <a:satMod val="170000"/>
-          </a:schemeClr>
-        </a:solidFill>
-        <a:gradFill rotWithShape="1">
-          <a:gsLst>
-            <a:gs pos="0">
-              <a:schemeClr val="phClr">
-                <a:tint val="93000"/>
-                <a:satMod val="150000"/>
-                <a:shade val="98000"/>
-                <a:lumMod val="102000"/>
-              </a:schemeClr>
-            </a:gs>
-            <a:gs pos="50000">
-              <a:schemeClr val="phClr">
-                <a:tint val="98000"/>
-                <a:satMod val="130000"/>
-                <a:shade val="90000"/>
-                <a:lumMod val="103000"/>
-              </a:schemeClr>
-            </a:gs>
-            <a:gs pos="100000">
-              <a:schemeClr val="phClr">
-                <a:shade val="63000"/>
-                <a:satMod val="120000"/>
-              </a:schemeClr>
-            </a:gs>
-          </a:gsLst>
-          <a:lin ang="5400000" scaled="0"/>
-        </a:gradFill>
+            </a:duotone>
+          </a:blip>
+          <a:tile tx="0" ty="0" sx="32000" sy="32000" flip="none" algn="tl"/>
+        </a:blipFill>
       </a:bgFillStyleLst>
     </a:fmtScheme>
   </a:themeElements>
   <a:objectDefaults/>
   <a:extraClrSchemeLst/>
-  <a:extLst>
-    <a:ext uri="{05A4C25C-085E-4340-85A3-A5531E510DB2}">
-      <thm15:themeFamily xmlns:thm15="http://schemas.microsoft.com/office/thememl/2012/main" name="Office Theme" id="{62F939B6-93AF-4DB8-9C6B-D6C7DFDC589F}" vid="{4A3C46E8-61CC-4603-A589-7422A47A8E4A}"/>
-    </a:ext>
-  </a:extLst>
 </a:theme>
 </file>